--- a/5_portfolio/포트폴리오_예_github용.pptx
+++ b/5_portfolio/포트폴리오_예_github용.pptx
@@ -3438,6 +3438,13 @@
   <p:clrMapOvr>
     <a:masterClrMapping/>
   </p:clrMapOvr>
+  <p:timing>
+    <p:tnLst>
+      <p:par>
+        <p:cTn id="1" dur="indefinite" restart="never" nodeType="tmRoot"/>
+      </p:par>
+    </p:tnLst>
+  </p:timing>
 </p:sld>
 </file>
 
@@ -6425,26 +6432,648 @@
           </p:txBody>
         </p:sp>
       </p:grpSp>
+      <p:sp>
+        <p:nvSpPr>
+          <p:cNvPr id="32" name="TextBox 31">
+            <a:extLst>
+              <a:ext uri="{FF2B5EF4-FFF2-40B4-BE49-F238E27FC236}">
+                <a16:creationId xmlns:a16="http://schemas.microsoft.com/office/drawing/2014/main" id="{99BE264D-0869-5E4C-9150-9E9A806B5851}"/>
+              </a:ext>
+            </a:extLst>
+          </p:cNvPr>
+          <p:cNvSpPr txBox="1"/>
+          <p:nvPr/>
+        </p:nvSpPr>
+        <p:spPr>
+          <a:xfrm>
+            <a:off x="1611486" y="2002488"/>
+            <a:ext cx="2225468" cy="755079"/>
+          </a:xfrm>
+          <a:prstGeom prst="rect">
+            <a:avLst/>
+          </a:prstGeom>
+          <a:noFill/>
+        </p:spPr>
+        <p:txBody>
+          <a:bodyPr wrap="square" rtlCol="0">
+            <a:spAutoFit/>
+          </a:bodyPr>
+          <a:lstStyle/>
+          <a:p>
+            <a:pPr>
+              <a:lnSpc>
+                <a:spcPct val="150000"/>
+              </a:lnSpc>
+            </a:pPr>
+            <a:r>
+              <a:rPr lang="ko-KR" altLang="en-US" sz="1000" dirty="0">
+                <a:latin typeface="+mn-ea"/>
+              </a:rPr>
+              <a:t>홍길동 </a:t>
+            </a:r>
+            <a:r>
+              <a:rPr lang="en-US" altLang="ko-KR" sz="1000" dirty="0">
+                <a:latin typeface="+mn-ea"/>
+              </a:rPr>
+              <a:t>   Gil-Dong Hong</a:t>
+            </a:r>
+          </a:p>
+          <a:p>
+            <a:pPr>
+              <a:lnSpc>
+                <a:spcPct val="150000"/>
+              </a:lnSpc>
+            </a:pPr>
+            <a:r>
+              <a:rPr lang="en-US" altLang="ko-KR" sz="1000" dirty="0">
+                <a:latin typeface="+mn-ea"/>
+              </a:rPr>
+              <a:t>1997.07.05</a:t>
+            </a:r>
+          </a:p>
+          <a:p>
+            <a:pPr>
+              <a:lnSpc>
+                <a:spcPct val="150000"/>
+              </a:lnSpc>
+            </a:pPr>
+            <a:r>
+              <a:rPr lang="en-US" altLang="ko-KR" sz="1000" dirty="0">
+                <a:latin typeface="+mn-ea"/>
+              </a:rPr>
+              <a:t>Univ. 2016.xx ~ 20xx.xx (</a:t>
+            </a:r>
+            <a:r>
+              <a:rPr lang="ko-KR" altLang="en-US" sz="1000" dirty="0">
+                <a:latin typeface="+mn-ea"/>
+              </a:rPr>
+              <a:t>졸업</a:t>
+            </a:r>
+            <a:r>
+              <a:rPr lang="en-US" altLang="ko-KR" sz="1000" dirty="0">
+                <a:latin typeface="+mn-ea"/>
+              </a:rPr>
+              <a:t>) </a:t>
+            </a:r>
+          </a:p>
+        </p:txBody>
+      </p:sp>
+      <p:sp>
+        <p:nvSpPr>
+          <p:cNvPr id="31" name="TextBox 30">
+            <a:extLst>
+              <a:ext uri="{FF2B5EF4-FFF2-40B4-BE49-F238E27FC236}">
+                <a16:creationId xmlns:a16="http://schemas.microsoft.com/office/drawing/2014/main" id="{88C74F60-D49C-A948-A65F-FA857D21B798}"/>
+              </a:ext>
+            </a:extLst>
+          </p:cNvPr>
+          <p:cNvSpPr txBox="1"/>
+          <p:nvPr/>
+        </p:nvSpPr>
+        <p:spPr>
+          <a:xfrm>
+            <a:off x="866513" y="2009810"/>
+            <a:ext cx="874292" cy="755079"/>
+          </a:xfrm>
+          <a:prstGeom prst="rect">
+            <a:avLst/>
+          </a:prstGeom>
+          <a:noFill/>
+        </p:spPr>
+        <p:txBody>
+          <a:bodyPr wrap="square" rtlCol="0">
+            <a:spAutoFit/>
+          </a:bodyPr>
+          <a:lstStyle/>
+          <a:p>
+            <a:pPr>
+              <a:lnSpc>
+                <a:spcPct val="150000"/>
+              </a:lnSpc>
+            </a:pPr>
+            <a:r>
+              <a:rPr lang="ko-KR" altLang="en-US" sz="1000" dirty="0">
+                <a:solidFill>
+                  <a:schemeClr val="tx1">
+                    <a:lumMod val="50000"/>
+                    <a:lumOff val="50000"/>
+                  </a:schemeClr>
+                </a:solidFill>
+                <a:latin typeface="+mn-ea"/>
+              </a:rPr>
+              <a:t>이름</a:t>
+            </a:r>
+            <a:endParaRPr lang="en-US" altLang="ko-KR" sz="1000" dirty="0">
+              <a:solidFill>
+                <a:schemeClr val="tx1">
+                  <a:lumMod val="50000"/>
+                  <a:lumOff val="50000"/>
+                </a:schemeClr>
+              </a:solidFill>
+              <a:latin typeface="+mn-ea"/>
+            </a:endParaRPr>
+          </a:p>
+          <a:p>
+            <a:pPr>
+              <a:lnSpc>
+                <a:spcPct val="150000"/>
+              </a:lnSpc>
+            </a:pPr>
+            <a:r>
+              <a:rPr lang="ko-KR" altLang="en-US" sz="1000" dirty="0">
+                <a:solidFill>
+                  <a:schemeClr val="tx1">
+                    <a:lumMod val="50000"/>
+                    <a:lumOff val="50000"/>
+                  </a:schemeClr>
+                </a:solidFill>
+                <a:latin typeface="+mn-ea"/>
+              </a:rPr>
+              <a:t>생년월일</a:t>
+            </a:r>
+            <a:endParaRPr lang="en-US" altLang="ko-KR" sz="1000" dirty="0">
+              <a:solidFill>
+                <a:schemeClr val="tx1">
+                  <a:lumMod val="50000"/>
+                  <a:lumOff val="50000"/>
+                </a:schemeClr>
+              </a:solidFill>
+              <a:latin typeface="+mn-ea"/>
+            </a:endParaRPr>
+          </a:p>
+          <a:p>
+            <a:pPr>
+              <a:lnSpc>
+                <a:spcPct val="150000"/>
+              </a:lnSpc>
+            </a:pPr>
+            <a:r>
+              <a:rPr lang="ko-KR" altLang="en-US" sz="1000" dirty="0">
+                <a:solidFill>
+                  <a:schemeClr val="tx1">
+                    <a:lumMod val="50000"/>
+                    <a:lumOff val="50000"/>
+                  </a:schemeClr>
+                </a:solidFill>
+                <a:latin typeface="+mn-ea"/>
+              </a:rPr>
+              <a:t>학력정보</a:t>
+            </a:r>
+            <a:endParaRPr lang="en-US" altLang="ko-KR" sz="1000" dirty="0">
+              <a:solidFill>
+                <a:schemeClr val="tx1">
+                  <a:lumMod val="50000"/>
+                  <a:lumOff val="50000"/>
+                </a:schemeClr>
+              </a:solidFill>
+              <a:latin typeface="+mn-ea"/>
+            </a:endParaRPr>
+          </a:p>
+        </p:txBody>
+      </p:sp>
+      <p:sp>
+        <p:nvSpPr>
+          <p:cNvPr id="33" name="TextBox 32">
+            <a:extLst>
+              <a:ext uri="{FF2B5EF4-FFF2-40B4-BE49-F238E27FC236}">
+                <a16:creationId xmlns:a16="http://schemas.microsoft.com/office/drawing/2014/main" id="{EEC3165B-8F13-6D49-BD71-6AD7537CDB12}"/>
+              </a:ext>
+            </a:extLst>
+          </p:cNvPr>
+          <p:cNvSpPr txBox="1"/>
+          <p:nvPr/>
+        </p:nvSpPr>
+        <p:spPr>
+          <a:xfrm>
+            <a:off x="866513" y="3191857"/>
+            <a:ext cx="874292" cy="945708"/>
+          </a:xfrm>
+          <a:prstGeom prst="rect">
+            <a:avLst/>
+          </a:prstGeom>
+          <a:noFill/>
+        </p:spPr>
+        <p:txBody>
+          <a:bodyPr wrap="square" rtlCol="0">
+            <a:spAutoFit/>
+          </a:bodyPr>
+          <a:lstStyle/>
+          <a:p>
+            <a:pPr>
+              <a:lnSpc>
+                <a:spcPct val="150000"/>
+              </a:lnSpc>
+            </a:pPr>
+            <a:r>
+              <a:rPr lang="ko-KR" altLang="en-US" sz="1000" dirty="0">
+                <a:solidFill>
+                  <a:schemeClr val="tx1">
+                    <a:lumMod val="50000"/>
+                    <a:lumOff val="50000"/>
+                  </a:schemeClr>
+                </a:solidFill>
+                <a:latin typeface="+mn-ea"/>
+              </a:rPr>
+              <a:t>전화번호</a:t>
+            </a:r>
+            <a:endParaRPr lang="en-US" altLang="ko-KR" sz="1000" dirty="0">
+              <a:solidFill>
+                <a:schemeClr val="tx1">
+                  <a:lumMod val="50000"/>
+                  <a:lumOff val="50000"/>
+                </a:schemeClr>
+              </a:solidFill>
+              <a:latin typeface="+mn-ea"/>
+            </a:endParaRPr>
+          </a:p>
+          <a:p>
+            <a:pPr>
+              <a:lnSpc>
+                <a:spcPct val="150000"/>
+              </a:lnSpc>
+            </a:pPr>
+            <a:r>
+              <a:rPr lang="ko-KR" altLang="en-US" sz="1000" dirty="0" err="1">
+                <a:solidFill>
+                  <a:schemeClr val="tx1">
+                    <a:lumMod val="50000"/>
+                    <a:lumOff val="50000"/>
+                  </a:schemeClr>
+                </a:solidFill>
+                <a:latin typeface="+mn-ea"/>
+              </a:rPr>
+              <a:t>이메일</a:t>
+            </a:r>
+            <a:endParaRPr lang="en-US" altLang="ko-KR" sz="1000" dirty="0">
+              <a:solidFill>
+                <a:schemeClr val="tx1">
+                  <a:lumMod val="50000"/>
+                  <a:lumOff val="50000"/>
+                </a:schemeClr>
+              </a:solidFill>
+              <a:latin typeface="+mn-ea"/>
+            </a:endParaRPr>
+          </a:p>
+          <a:p>
+            <a:pPr>
+              <a:lnSpc>
+                <a:spcPct val="150000"/>
+              </a:lnSpc>
+            </a:pPr>
+            <a:r>
+              <a:rPr lang="en-US" altLang="ko-KR" sz="1000" dirty="0">
+                <a:solidFill>
+                  <a:schemeClr val="tx1">
+                    <a:lumMod val="50000"/>
+                    <a:lumOff val="50000"/>
+                  </a:schemeClr>
+                </a:solidFill>
+                <a:latin typeface="+mn-ea"/>
+              </a:rPr>
+              <a:t>GitHub</a:t>
+            </a:r>
+          </a:p>
+          <a:p>
+            <a:pPr>
+              <a:lnSpc>
+                <a:spcPct val="150000"/>
+              </a:lnSpc>
+            </a:pPr>
+            <a:endParaRPr lang="en-US" altLang="ko-KR" sz="800" dirty="0">
+              <a:solidFill>
+                <a:schemeClr val="tx1">
+                  <a:lumMod val="50000"/>
+                  <a:lumOff val="50000"/>
+                </a:schemeClr>
+              </a:solidFill>
+              <a:latin typeface="+mn-ea"/>
+            </a:endParaRPr>
+          </a:p>
+        </p:txBody>
+      </p:sp>
+      <p:sp>
+        <p:nvSpPr>
+          <p:cNvPr id="34" name="TextBox 33">
+            <a:extLst>
+              <a:ext uri="{FF2B5EF4-FFF2-40B4-BE49-F238E27FC236}">
+                <a16:creationId xmlns:a16="http://schemas.microsoft.com/office/drawing/2014/main" id="{A27FB6DC-2118-A146-B050-631230547F78}"/>
+              </a:ext>
+            </a:extLst>
+          </p:cNvPr>
+          <p:cNvSpPr txBox="1"/>
+          <p:nvPr/>
+        </p:nvSpPr>
+        <p:spPr>
+          <a:xfrm>
+            <a:off x="1567515" y="3181856"/>
+            <a:ext cx="3011702" cy="784830"/>
+          </a:xfrm>
+          <a:prstGeom prst="rect">
+            <a:avLst/>
+          </a:prstGeom>
+          <a:noFill/>
+        </p:spPr>
+        <p:txBody>
+          <a:bodyPr wrap="square" rtlCol="0">
+            <a:spAutoFit/>
+          </a:bodyPr>
+          <a:lstStyle/>
+          <a:p>
+            <a:pPr>
+              <a:lnSpc>
+                <a:spcPct val="150000"/>
+              </a:lnSpc>
+            </a:pPr>
+            <a:r>
+              <a:rPr lang="en-US" altLang="ko-KR" sz="1000" dirty="0">
+                <a:latin typeface="+mn-ea"/>
+              </a:rPr>
+              <a:t>82+ 010.xxxx.xxxx</a:t>
+            </a:r>
+          </a:p>
+          <a:p>
+            <a:pPr>
+              <a:lnSpc>
+                <a:spcPct val="150000"/>
+              </a:lnSpc>
+            </a:pPr>
+            <a:r>
+              <a:rPr lang="en-US" altLang="ko-KR" sz="1000" dirty="0">
+                <a:latin typeface="+mn-ea"/>
+              </a:rPr>
+              <a:t>xxxxx@naver.com</a:t>
+            </a:r>
+          </a:p>
+          <a:p>
+            <a:pPr>
+              <a:lnSpc>
+                <a:spcPct val="150000"/>
+              </a:lnSpc>
+            </a:pPr>
+            <a:r>
+              <a:rPr lang="en-US" altLang="ko-KR" sz="1000">
+                <a:latin typeface="+mn-ea"/>
+                <a:hlinkClick r:id="rId2"/>
+              </a:rPr>
+              <a:t>https://</a:t>
+            </a:r>
+            <a:r>
+              <a:rPr lang="en-US" altLang="ko-KR" sz="1000" smtClean="0">
+                <a:latin typeface="+mn-ea"/>
+                <a:hlinkClick r:id="rId2"/>
+              </a:rPr>
+              <a:t>github.com/renige18/portfolio</a:t>
+            </a:r>
+            <a:endParaRPr lang="en-US" altLang="ko-KR" sz="1000" dirty="0">
+              <a:latin typeface="+mn-ea"/>
+            </a:endParaRPr>
+          </a:p>
+        </p:txBody>
+      </p:sp>
+      <p:cxnSp>
+        <p:nvCxnSpPr>
+          <p:cNvPr id="35" name="직선 연결선 14">
+            <a:extLst>
+              <a:ext uri="{FF2B5EF4-FFF2-40B4-BE49-F238E27FC236}">
+                <a16:creationId xmlns:a16="http://schemas.microsoft.com/office/drawing/2014/main" id="{25A0FD3C-B1B1-5643-A166-D1770CDCF885}"/>
+              </a:ext>
+            </a:extLst>
+          </p:cNvPr>
+          <p:cNvCxnSpPr>
+            <a:cxnSpLocks/>
+          </p:cNvCxnSpPr>
+          <p:nvPr/>
+        </p:nvCxnSpPr>
+        <p:spPr>
+          <a:xfrm>
+            <a:off x="936325" y="1905670"/>
+            <a:ext cx="874292" cy="0"/>
+          </a:xfrm>
+          <a:prstGeom prst="line">
+            <a:avLst/>
+          </a:prstGeom>
+        </p:spPr>
+        <p:style>
+          <a:lnRef idx="1">
+            <a:schemeClr val="accent3"/>
+          </a:lnRef>
+          <a:fillRef idx="0">
+            <a:schemeClr val="accent3"/>
+          </a:fillRef>
+          <a:effectRef idx="0">
+            <a:schemeClr val="accent3"/>
+          </a:effectRef>
+          <a:fontRef idx="minor">
+            <a:schemeClr val="tx1"/>
+          </a:fontRef>
+        </p:style>
+      </p:cxnSp>
+      <p:sp>
+        <p:nvSpPr>
+          <p:cNvPr id="36" name="TextBox 35">
+            <a:extLst>
+              <a:ext uri="{FF2B5EF4-FFF2-40B4-BE49-F238E27FC236}">
+                <a16:creationId xmlns:a16="http://schemas.microsoft.com/office/drawing/2014/main" id="{6EEF2267-E146-B642-8B3C-65C8B2EA3107}"/>
+              </a:ext>
+            </a:extLst>
+          </p:cNvPr>
+          <p:cNvSpPr txBox="1"/>
+          <p:nvPr/>
+        </p:nvSpPr>
+        <p:spPr>
+          <a:xfrm>
+            <a:off x="904034" y="1626786"/>
+            <a:ext cx="2098401" cy="307777"/>
+          </a:xfrm>
+          <a:prstGeom prst="rect">
+            <a:avLst/>
+          </a:prstGeom>
+          <a:noFill/>
+        </p:spPr>
+        <p:txBody>
+          <a:bodyPr wrap="square" rtlCol="0">
+            <a:spAutoFit/>
+          </a:bodyPr>
+          <a:lstStyle/>
+          <a:p>
+            <a:r>
+              <a:rPr lang="en-US" altLang="ko-KR" sz="1400" b="1" dirty="0">
+                <a:solidFill>
+                  <a:srgbClr val="EC8A62"/>
+                </a:solidFill>
+                <a:latin typeface="Arita-dotum(TTF) Medium" panose="02020603020101020101" pitchFamily="18" charset="-127"/>
+                <a:ea typeface="Arita-dotum(TTF) Medium" panose="02020603020101020101" pitchFamily="18" charset="-127"/>
+              </a:rPr>
+              <a:t>PROFILE</a:t>
+            </a:r>
+            <a:endParaRPr lang="en-US" altLang="ko-KR" b="1" dirty="0">
+              <a:solidFill>
+                <a:srgbClr val="EC8A62"/>
+              </a:solidFill>
+              <a:latin typeface="Arita-dotum(TTF) Medium" panose="02020603020101020101" pitchFamily="18" charset="-127"/>
+              <a:ea typeface="Arita-dotum(TTF) Medium" panose="02020603020101020101" pitchFamily="18" charset="-127"/>
+            </a:endParaRPr>
+          </a:p>
+        </p:txBody>
+      </p:sp>
+      <p:cxnSp>
+        <p:nvCxnSpPr>
+          <p:cNvPr id="37" name="직선 연결선 14">
+            <a:extLst>
+              <a:ext uri="{FF2B5EF4-FFF2-40B4-BE49-F238E27FC236}">
+                <a16:creationId xmlns:a16="http://schemas.microsoft.com/office/drawing/2014/main" id="{D721A74E-F58E-CD44-98D4-AA4E01F03C92}"/>
+              </a:ext>
+            </a:extLst>
+          </p:cNvPr>
+          <p:cNvCxnSpPr>
+            <a:cxnSpLocks/>
+          </p:cNvCxnSpPr>
+          <p:nvPr/>
+        </p:nvCxnSpPr>
+        <p:spPr>
+          <a:xfrm>
+            <a:off x="916791" y="3121260"/>
+            <a:ext cx="874292" cy="0"/>
+          </a:xfrm>
+          <a:prstGeom prst="line">
+            <a:avLst/>
+          </a:prstGeom>
+        </p:spPr>
+        <p:style>
+          <a:lnRef idx="1">
+            <a:schemeClr val="accent3"/>
+          </a:lnRef>
+          <a:fillRef idx="0">
+            <a:schemeClr val="accent3"/>
+          </a:fillRef>
+          <a:effectRef idx="0">
+            <a:schemeClr val="accent3"/>
+          </a:effectRef>
+          <a:fontRef idx="minor">
+            <a:schemeClr val="tx1"/>
+          </a:fontRef>
+        </p:style>
+      </p:cxnSp>
+      <p:sp>
+        <p:nvSpPr>
+          <p:cNvPr id="38" name="TextBox 37">
+            <a:extLst>
+              <a:ext uri="{FF2B5EF4-FFF2-40B4-BE49-F238E27FC236}">
+                <a16:creationId xmlns:a16="http://schemas.microsoft.com/office/drawing/2014/main" id="{65F76836-CD86-874A-B5A5-A8758E5488EE}"/>
+              </a:ext>
+            </a:extLst>
+          </p:cNvPr>
+          <p:cNvSpPr txBox="1"/>
+          <p:nvPr/>
+        </p:nvSpPr>
+        <p:spPr>
+          <a:xfrm>
+            <a:off x="854346" y="2821258"/>
+            <a:ext cx="2098401" cy="307777"/>
+          </a:xfrm>
+          <a:prstGeom prst="rect">
+            <a:avLst/>
+          </a:prstGeom>
+          <a:noFill/>
+        </p:spPr>
+        <p:txBody>
+          <a:bodyPr wrap="square" rtlCol="0">
+            <a:spAutoFit/>
+          </a:bodyPr>
+          <a:lstStyle/>
+          <a:p>
+            <a:r>
+              <a:rPr lang="en-US" altLang="ko-KR" sz="1400" b="1" dirty="0">
+                <a:solidFill>
+                  <a:srgbClr val="EC8A62"/>
+                </a:solidFill>
+                <a:latin typeface="Arita-dotum(TTF) Medium" panose="02020603020101020101" pitchFamily="18" charset="-127"/>
+                <a:ea typeface="Arita-dotum(TTF) Medium" panose="02020603020101020101" pitchFamily="18" charset="-127"/>
+              </a:rPr>
+              <a:t>CONTACTS</a:t>
+            </a:r>
+            <a:endParaRPr lang="en-US" altLang="ko-KR" b="1" dirty="0">
+              <a:solidFill>
+                <a:srgbClr val="EC8A62"/>
+              </a:solidFill>
+              <a:latin typeface="Arita-dotum(TTF) Medium" panose="02020603020101020101" pitchFamily="18" charset="-127"/>
+              <a:ea typeface="Arita-dotum(TTF) Medium" panose="02020603020101020101" pitchFamily="18" charset="-127"/>
+            </a:endParaRPr>
+          </a:p>
+        </p:txBody>
+      </p:sp>
       <p:grpSp>
         <p:nvGrpSpPr>
-          <p:cNvPr id="8" name="그룹 7"/>
+          <p:cNvPr id="6" name="그룹 5"/>
           <p:cNvGrpSpPr/>
           <p:nvPr/>
         </p:nvGrpSpPr>
         <p:grpSpPr>
           <a:xfrm>
-            <a:off x="854346" y="1545504"/>
-            <a:ext cx="7257333" cy="4294743"/>
-            <a:chOff x="854346" y="1545504"/>
-            <a:chExt cx="7257333" cy="4294743"/>
+            <a:off x="5383375" y="1545504"/>
+            <a:ext cx="2728304" cy="2592061"/>
+            <a:chOff x="6215398" y="2382611"/>
+            <a:chExt cx="2728304" cy="2592061"/>
           </a:xfrm>
         </p:grpSpPr>
         <p:sp>
           <p:nvSpPr>
-            <p:cNvPr id="32" name="TextBox 31">
+            <p:cNvPr id="7" name="타원 6">
               <a:extLst>
                 <a:ext uri="{FF2B5EF4-FFF2-40B4-BE49-F238E27FC236}">
-                  <a16:creationId xmlns:a16="http://schemas.microsoft.com/office/drawing/2014/main" id="{99BE264D-0869-5E4C-9150-9E9A806B5851}"/>
+                  <a16:creationId xmlns:a16="http://schemas.microsoft.com/office/drawing/2014/main" id="{0EEF91FE-7A5C-4BF8-AED7-D8E796C27D77}"/>
+                </a:ext>
+              </a:extLst>
+            </p:cNvPr>
+            <p:cNvSpPr/>
+            <p:nvPr/>
+          </p:nvSpPr>
+          <p:spPr>
+            <a:xfrm>
+              <a:off x="6434356" y="2449654"/>
+              <a:ext cx="142613" cy="134086"/>
+            </a:xfrm>
+            <a:prstGeom prst="ellipse">
+              <a:avLst/>
+            </a:prstGeom>
+            <a:solidFill>
+              <a:srgbClr val="EC8A62"/>
+            </a:solidFill>
+            <a:ln>
+              <a:noFill/>
+            </a:ln>
+          </p:spPr>
+          <p:style>
+            <a:lnRef idx="2">
+              <a:schemeClr val="accent1">
+                <a:shade val="50000"/>
+              </a:schemeClr>
+            </a:lnRef>
+            <a:fillRef idx="1">
+              <a:schemeClr val="accent1"/>
+            </a:fillRef>
+            <a:effectRef idx="0">
+              <a:schemeClr val="accent1"/>
+            </a:effectRef>
+            <a:fontRef idx="minor">
+              <a:schemeClr val="lt1"/>
+            </a:fontRef>
+          </p:style>
+          <p:txBody>
+            <a:bodyPr rtlCol="0" anchor="ctr"/>
+            <a:lstStyle/>
+            <a:p>
+              <a:pPr algn="ctr"/>
+              <a:endParaRPr lang="ko-KR" altLang="en-US"/>
+            </a:p>
+          </p:txBody>
+        </p:sp>
+        <p:sp>
+          <p:nvSpPr>
+            <p:cNvPr id="61" name="TextBox 60">
+              <a:extLst>
+                <a:ext uri="{FF2B5EF4-FFF2-40B4-BE49-F238E27FC236}">
+                  <a16:creationId xmlns:a16="http://schemas.microsoft.com/office/drawing/2014/main" id="{EEE713D6-6A80-4E23-829A-190A9387744C}"/>
                 </a:ext>
               </a:extLst>
             </p:cNvPr>
@@ -6453,404 +7082,8 @@
           </p:nvSpPr>
           <p:spPr>
             <a:xfrm>
-              <a:off x="1611486" y="2002488"/>
-              <a:ext cx="2225468" cy="755079"/>
-            </a:xfrm>
-            <a:prstGeom prst="rect">
-              <a:avLst/>
-            </a:prstGeom>
-            <a:noFill/>
-          </p:spPr>
-          <p:txBody>
-            <a:bodyPr wrap="square" rtlCol="0">
-              <a:spAutoFit/>
-            </a:bodyPr>
-            <a:lstStyle/>
-            <a:p>
-              <a:pPr>
-                <a:lnSpc>
-                  <a:spcPct val="150000"/>
-                </a:lnSpc>
-              </a:pPr>
-              <a:r>
-                <a:rPr lang="ko-KR" altLang="en-US" sz="1000" dirty="0">
-                  <a:latin typeface="+mn-ea"/>
-                </a:rPr>
-                <a:t>홍길동 </a:t>
-              </a:r>
-              <a:r>
-                <a:rPr lang="en-US" altLang="ko-KR" sz="1000" dirty="0">
-                  <a:latin typeface="+mn-ea"/>
-                </a:rPr>
-                <a:t>   Gil-Dong Hong</a:t>
-              </a:r>
-            </a:p>
-            <a:p>
-              <a:pPr>
-                <a:lnSpc>
-                  <a:spcPct val="150000"/>
-                </a:lnSpc>
-              </a:pPr>
-              <a:r>
-                <a:rPr lang="en-US" altLang="ko-KR" sz="1000" dirty="0">
-                  <a:latin typeface="+mn-ea"/>
-                </a:rPr>
-                <a:t>1997.07.05</a:t>
-              </a:r>
-            </a:p>
-            <a:p>
-              <a:pPr>
-                <a:lnSpc>
-                  <a:spcPct val="150000"/>
-                </a:lnSpc>
-              </a:pPr>
-              <a:r>
-                <a:rPr lang="en-US" altLang="ko-KR" sz="1000" dirty="0">
-                  <a:latin typeface="+mn-ea"/>
-                </a:rPr>
-                <a:t>Univ. 2016.xx ~ 20xx.xx (</a:t>
-              </a:r>
-              <a:r>
-                <a:rPr lang="ko-KR" altLang="en-US" sz="1000" dirty="0">
-                  <a:latin typeface="+mn-ea"/>
-                </a:rPr>
-                <a:t>졸업</a:t>
-              </a:r>
-              <a:r>
-                <a:rPr lang="en-US" altLang="ko-KR" sz="1000" dirty="0">
-                  <a:latin typeface="+mn-ea"/>
-                </a:rPr>
-                <a:t>) </a:t>
-              </a:r>
-            </a:p>
-          </p:txBody>
-        </p:sp>
-        <p:sp>
-          <p:nvSpPr>
-            <p:cNvPr id="31" name="TextBox 30">
-              <a:extLst>
-                <a:ext uri="{FF2B5EF4-FFF2-40B4-BE49-F238E27FC236}">
-                  <a16:creationId xmlns:a16="http://schemas.microsoft.com/office/drawing/2014/main" id="{88C74F60-D49C-A948-A65F-FA857D21B798}"/>
-                </a:ext>
-              </a:extLst>
-            </p:cNvPr>
-            <p:cNvSpPr txBox="1"/>
-            <p:nvPr/>
-          </p:nvSpPr>
-          <p:spPr>
-            <a:xfrm>
-              <a:off x="866513" y="2009810"/>
-              <a:ext cx="874292" cy="755079"/>
-            </a:xfrm>
-            <a:prstGeom prst="rect">
-              <a:avLst/>
-            </a:prstGeom>
-            <a:noFill/>
-          </p:spPr>
-          <p:txBody>
-            <a:bodyPr wrap="square" rtlCol="0">
-              <a:spAutoFit/>
-            </a:bodyPr>
-            <a:lstStyle/>
-            <a:p>
-              <a:pPr>
-                <a:lnSpc>
-                  <a:spcPct val="150000"/>
-                </a:lnSpc>
-              </a:pPr>
-              <a:r>
-                <a:rPr lang="ko-KR" altLang="en-US" sz="1000" dirty="0">
-                  <a:solidFill>
-                    <a:schemeClr val="tx1">
-                      <a:lumMod val="50000"/>
-                      <a:lumOff val="50000"/>
-                    </a:schemeClr>
-                  </a:solidFill>
-                  <a:latin typeface="+mn-ea"/>
-                </a:rPr>
-                <a:t>이름</a:t>
-              </a:r>
-              <a:endParaRPr lang="en-US" altLang="ko-KR" sz="1000" dirty="0">
-                <a:solidFill>
-                  <a:schemeClr val="tx1">
-                    <a:lumMod val="50000"/>
-                    <a:lumOff val="50000"/>
-                  </a:schemeClr>
-                </a:solidFill>
-                <a:latin typeface="+mn-ea"/>
-              </a:endParaRPr>
-            </a:p>
-            <a:p>
-              <a:pPr>
-                <a:lnSpc>
-                  <a:spcPct val="150000"/>
-                </a:lnSpc>
-              </a:pPr>
-              <a:r>
-                <a:rPr lang="ko-KR" altLang="en-US" sz="1000" dirty="0">
-                  <a:solidFill>
-                    <a:schemeClr val="tx1">
-                      <a:lumMod val="50000"/>
-                      <a:lumOff val="50000"/>
-                    </a:schemeClr>
-                  </a:solidFill>
-                  <a:latin typeface="+mn-ea"/>
-                </a:rPr>
-                <a:t>생년월일</a:t>
-              </a:r>
-              <a:endParaRPr lang="en-US" altLang="ko-KR" sz="1000" dirty="0">
-                <a:solidFill>
-                  <a:schemeClr val="tx1">
-                    <a:lumMod val="50000"/>
-                    <a:lumOff val="50000"/>
-                  </a:schemeClr>
-                </a:solidFill>
-                <a:latin typeface="+mn-ea"/>
-              </a:endParaRPr>
-            </a:p>
-            <a:p>
-              <a:pPr>
-                <a:lnSpc>
-                  <a:spcPct val="150000"/>
-                </a:lnSpc>
-              </a:pPr>
-              <a:r>
-                <a:rPr lang="ko-KR" altLang="en-US" sz="1000" dirty="0">
-                  <a:solidFill>
-                    <a:schemeClr val="tx1">
-                      <a:lumMod val="50000"/>
-                      <a:lumOff val="50000"/>
-                    </a:schemeClr>
-                  </a:solidFill>
-                  <a:latin typeface="+mn-ea"/>
-                </a:rPr>
-                <a:t>학력정보</a:t>
-              </a:r>
-              <a:endParaRPr lang="en-US" altLang="ko-KR" sz="1000" dirty="0">
-                <a:solidFill>
-                  <a:schemeClr val="tx1">
-                    <a:lumMod val="50000"/>
-                    <a:lumOff val="50000"/>
-                  </a:schemeClr>
-                </a:solidFill>
-                <a:latin typeface="+mn-ea"/>
-              </a:endParaRPr>
-            </a:p>
-          </p:txBody>
-        </p:sp>
-        <p:sp>
-          <p:nvSpPr>
-            <p:cNvPr id="33" name="TextBox 32">
-              <a:extLst>
-                <a:ext uri="{FF2B5EF4-FFF2-40B4-BE49-F238E27FC236}">
-                  <a16:creationId xmlns:a16="http://schemas.microsoft.com/office/drawing/2014/main" id="{EEC3165B-8F13-6D49-BD71-6AD7537CDB12}"/>
-                </a:ext>
-              </a:extLst>
-            </p:cNvPr>
-            <p:cNvSpPr txBox="1"/>
-            <p:nvPr/>
-          </p:nvSpPr>
-          <p:spPr>
-            <a:xfrm>
-              <a:off x="866513" y="3191857"/>
-              <a:ext cx="874292" cy="738664"/>
-            </a:xfrm>
-            <a:prstGeom prst="rect">
-              <a:avLst/>
-            </a:prstGeom>
-            <a:noFill/>
-          </p:spPr>
-          <p:txBody>
-            <a:bodyPr wrap="square" rtlCol="0">
-              <a:spAutoFit/>
-            </a:bodyPr>
-            <a:lstStyle/>
-            <a:p>
-              <a:pPr>
-                <a:lnSpc>
-                  <a:spcPct val="150000"/>
-                </a:lnSpc>
-              </a:pPr>
-              <a:r>
-                <a:rPr lang="ko-KR" altLang="en-US" sz="1000" dirty="0">
-                  <a:solidFill>
-                    <a:schemeClr val="tx1">
-                      <a:lumMod val="50000"/>
-                      <a:lumOff val="50000"/>
-                    </a:schemeClr>
-                  </a:solidFill>
-                  <a:latin typeface="+mn-ea"/>
-                </a:rPr>
-                <a:t>전화번호</a:t>
-              </a:r>
-              <a:endParaRPr lang="en-US" altLang="ko-KR" sz="1000" dirty="0">
-                <a:solidFill>
-                  <a:schemeClr val="tx1">
-                    <a:lumMod val="50000"/>
-                    <a:lumOff val="50000"/>
-                  </a:schemeClr>
-                </a:solidFill>
-                <a:latin typeface="+mn-ea"/>
-              </a:endParaRPr>
-            </a:p>
-            <a:p>
-              <a:pPr>
-                <a:lnSpc>
-                  <a:spcPct val="150000"/>
-                </a:lnSpc>
-              </a:pPr>
-              <a:r>
-                <a:rPr lang="ko-KR" altLang="en-US" sz="1000" dirty="0" err="1">
-                  <a:solidFill>
-                    <a:schemeClr val="tx1">
-                      <a:lumMod val="50000"/>
-                      <a:lumOff val="50000"/>
-                    </a:schemeClr>
-                  </a:solidFill>
-                  <a:latin typeface="+mn-ea"/>
-                </a:rPr>
-                <a:t>이메일</a:t>
-              </a:r>
-              <a:endParaRPr lang="en-US" altLang="ko-KR" sz="1000" dirty="0">
-                <a:solidFill>
-                  <a:schemeClr val="tx1">
-                    <a:lumMod val="50000"/>
-                    <a:lumOff val="50000"/>
-                  </a:schemeClr>
-                </a:solidFill>
-                <a:latin typeface="+mn-ea"/>
-              </a:endParaRPr>
-            </a:p>
-            <a:p>
-              <a:pPr>
-                <a:lnSpc>
-                  <a:spcPct val="150000"/>
-                </a:lnSpc>
-              </a:pPr>
-              <a:endParaRPr lang="en-US" altLang="ko-KR" sz="800" dirty="0">
-                <a:solidFill>
-                  <a:schemeClr val="tx1">
-                    <a:lumMod val="50000"/>
-                    <a:lumOff val="50000"/>
-                  </a:schemeClr>
-                </a:solidFill>
-                <a:latin typeface="+mn-ea"/>
-              </a:endParaRPr>
-            </a:p>
-          </p:txBody>
-        </p:sp>
-        <p:sp>
-          <p:nvSpPr>
-            <p:cNvPr id="34" name="TextBox 33">
-              <a:extLst>
-                <a:ext uri="{FF2B5EF4-FFF2-40B4-BE49-F238E27FC236}">
-                  <a16:creationId xmlns:a16="http://schemas.microsoft.com/office/drawing/2014/main" id="{A27FB6DC-2118-A146-B050-631230547F78}"/>
-                </a:ext>
-              </a:extLst>
-            </p:cNvPr>
-            <p:cNvSpPr txBox="1"/>
-            <p:nvPr/>
-          </p:nvSpPr>
-          <p:spPr>
-            <a:xfrm>
-              <a:off x="1567515" y="3181856"/>
-              <a:ext cx="1944422" cy="553998"/>
-            </a:xfrm>
-            <a:prstGeom prst="rect">
-              <a:avLst/>
-            </a:prstGeom>
-            <a:noFill/>
-          </p:spPr>
-          <p:txBody>
-            <a:bodyPr wrap="square" rtlCol="0">
-              <a:spAutoFit/>
-            </a:bodyPr>
-            <a:lstStyle/>
-            <a:p>
-              <a:pPr>
-                <a:lnSpc>
-                  <a:spcPct val="150000"/>
-                </a:lnSpc>
-              </a:pPr>
-              <a:r>
-                <a:rPr lang="en-US" altLang="ko-KR" sz="1000" dirty="0">
-                  <a:latin typeface="+mn-ea"/>
-                </a:rPr>
-                <a:t>82+ 010.xxxx.xxxx</a:t>
-              </a:r>
-            </a:p>
-            <a:p>
-              <a:pPr>
-                <a:lnSpc>
-                  <a:spcPct val="150000"/>
-                </a:lnSpc>
-              </a:pPr>
-              <a:r>
-                <a:rPr lang="en-US" altLang="ko-KR" sz="1000" smtClean="0">
-                  <a:latin typeface="+mn-ea"/>
-                </a:rPr>
-                <a:t>xxxxx@naver.com</a:t>
-              </a:r>
-              <a:endParaRPr lang="en-US" altLang="ko-KR" sz="1000" dirty="0">
-                <a:latin typeface="+mn-ea"/>
-              </a:endParaRPr>
-            </a:p>
-          </p:txBody>
-        </p:sp>
-        <p:cxnSp>
-          <p:nvCxnSpPr>
-            <p:cNvPr id="35" name="직선 연결선 14">
-              <a:extLst>
-                <a:ext uri="{FF2B5EF4-FFF2-40B4-BE49-F238E27FC236}">
-                  <a16:creationId xmlns:a16="http://schemas.microsoft.com/office/drawing/2014/main" id="{25A0FD3C-B1B1-5643-A166-D1770CDCF885}"/>
-                </a:ext>
-              </a:extLst>
-            </p:cNvPr>
-            <p:cNvCxnSpPr>
-              <a:cxnSpLocks/>
-            </p:cNvCxnSpPr>
-            <p:nvPr/>
-          </p:nvCxnSpPr>
-          <p:spPr>
-            <a:xfrm>
-              <a:off x="936325" y="1905670"/>
-              <a:ext cx="874292" cy="0"/>
-            </a:xfrm>
-            <a:prstGeom prst="line">
-              <a:avLst/>
-            </a:prstGeom>
-          </p:spPr>
-          <p:style>
-            <a:lnRef idx="1">
-              <a:schemeClr val="accent3"/>
-            </a:lnRef>
-            <a:fillRef idx="0">
-              <a:schemeClr val="accent3"/>
-            </a:fillRef>
-            <a:effectRef idx="0">
-              <a:schemeClr val="accent3"/>
-            </a:effectRef>
-            <a:fontRef idx="minor">
-              <a:schemeClr val="tx1"/>
-            </a:fontRef>
-          </p:style>
-        </p:cxnSp>
-        <p:sp>
-          <p:nvSpPr>
-            <p:cNvPr id="36" name="TextBox 35">
-              <a:extLst>
-                <a:ext uri="{FF2B5EF4-FFF2-40B4-BE49-F238E27FC236}">
-                  <a16:creationId xmlns:a16="http://schemas.microsoft.com/office/drawing/2014/main" id="{6EEF2267-E146-B642-8B3C-65C8B2EA3107}"/>
-                </a:ext>
-              </a:extLst>
-            </p:cNvPr>
-            <p:cNvSpPr txBox="1"/>
-            <p:nvPr/>
-          </p:nvSpPr>
-          <p:spPr>
-            <a:xfrm>
-              <a:off x="904034" y="1626786"/>
-              <a:ext cx="2098401" cy="307777"/>
+              <a:off x="6578557" y="2382611"/>
+              <a:ext cx="1282277" cy="253916"/>
             </a:xfrm>
             <a:prstGeom prst="rect">
               <a:avLst/>
@@ -6864,69 +7097,756 @@
             <a:lstStyle/>
             <a:p>
               <a:r>
-                <a:rPr lang="en-US" altLang="ko-KR" sz="1400" b="1" dirty="0">
+                <a:rPr lang="en-US" altLang="ko-KR" sz="1050" b="1" dirty="0">
                   <a:solidFill>
-                    <a:srgbClr val="EC8A62"/>
+                    <a:schemeClr val="tx1">
+                      <a:lumMod val="75000"/>
+                      <a:lumOff val="25000"/>
+                    </a:schemeClr>
                   </a:solidFill>
-                  <a:latin typeface="Arita-dotum(TTF) Medium" panose="02020603020101020101" pitchFamily="18" charset="-127"/>
-                  <a:ea typeface="Arita-dotum(TTF) Medium" panose="02020603020101020101" pitchFamily="18" charset="-127"/>
+                  <a:latin typeface="+mj-ea"/>
+                  <a:ea typeface="+mj-ea"/>
                 </a:rPr>
-                <a:t>PROFILE</a:t>
+                <a:t>SKILL</a:t>
               </a:r>
-              <a:endParaRPr lang="en-US" altLang="ko-KR" b="1" dirty="0">
+              <a:endParaRPr lang="ko-KR" altLang="en-US" sz="700" b="1" dirty="0">
                 <a:solidFill>
-                  <a:srgbClr val="EC8A62"/>
+                  <a:schemeClr val="tx1">
+                    <a:lumMod val="75000"/>
+                    <a:lumOff val="25000"/>
+                  </a:schemeClr>
                 </a:solidFill>
-                <a:latin typeface="Arita-dotum(TTF) Medium" panose="02020603020101020101" pitchFamily="18" charset="-127"/>
-                <a:ea typeface="Arita-dotum(TTF) Medium" panose="02020603020101020101" pitchFamily="18" charset="-127"/>
+                <a:latin typeface="+mj-ea"/>
+                <a:ea typeface="+mj-ea"/>
               </a:endParaRPr>
             </a:p>
           </p:txBody>
         </p:sp>
-        <p:cxnSp>
-          <p:nvCxnSpPr>
-            <p:cNvPr id="37" name="직선 연결선 14">
+        <p:sp>
+          <p:nvSpPr>
+            <p:cNvPr id="62" name="대각선 방향의 모서리가 둥근 사각형 24">
               <a:extLst>
                 <a:ext uri="{FF2B5EF4-FFF2-40B4-BE49-F238E27FC236}">
-                  <a16:creationId xmlns:a16="http://schemas.microsoft.com/office/drawing/2014/main" id="{D721A74E-F58E-CD44-98D4-AA4E01F03C92}"/>
+                  <a16:creationId xmlns:a16="http://schemas.microsoft.com/office/drawing/2014/main" id="{92B62CB1-CAB6-49B5-ABBC-004ECAE53C11}"/>
                 </a:ext>
               </a:extLst>
             </p:cNvPr>
-            <p:cNvCxnSpPr>
-              <a:cxnSpLocks/>
-            </p:cNvCxnSpPr>
+            <p:cNvSpPr/>
             <p:nvPr/>
-          </p:nvCxnSpPr>
+          </p:nvSpPr>
           <p:spPr>
             <a:xfrm>
-              <a:off x="916791" y="3121260"/>
-              <a:ext cx="874292" cy="0"/>
+              <a:off x="6434355" y="2665847"/>
+              <a:ext cx="2509347" cy="2308825"/>
             </a:xfrm>
-            <a:prstGeom prst="line">
+            <a:prstGeom prst="round2DiagRect">
               <a:avLst/>
             </a:prstGeom>
+            <a:solidFill>
+              <a:schemeClr val="accent4">
+                <a:lumMod val="20000"/>
+                <a:lumOff val="80000"/>
+              </a:schemeClr>
+            </a:solidFill>
+            <a:ln>
+              <a:noFill/>
+            </a:ln>
           </p:spPr>
           <p:style>
-            <a:lnRef idx="1">
-              <a:schemeClr val="accent3"/>
+            <a:lnRef idx="2">
+              <a:schemeClr val="accent1">
+                <a:shade val="50000"/>
+              </a:schemeClr>
             </a:lnRef>
-            <a:fillRef idx="0">
-              <a:schemeClr val="accent3"/>
+            <a:fillRef idx="1">
+              <a:schemeClr val="accent1"/>
             </a:fillRef>
             <a:effectRef idx="0">
-              <a:schemeClr val="accent3"/>
+              <a:schemeClr val="accent1"/>
             </a:effectRef>
             <a:fontRef idx="minor">
-              <a:schemeClr val="tx1"/>
+              <a:schemeClr val="lt1"/>
             </a:fontRef>
           </p:style>
-        </p:cxnSp>
+          <p:txBody>
+            <a:bodyPr rtlCol="0" anchor="ctr"/>
+            <a:lstStyle/>
+            <a:p>
+              <a:pPr algn="ctr"/>
+              <a:endParaRPr kumimoji="1" lang="ko-KR" altLang="en-US" sz="1463"/>
+            </a:p>
+          </p:txBody>
+        </p:sp>
+        <p:pic>
+          <p:nvPicPr>
+            <p:cNvPr id="1026" name="Picture 2" descr="c에 대한 이미지 검색결과">
+              <a:extLst>
+                <a:ext uri="{FF2B5EF4-FFF2-40B4-BE49-F238E27FC236}">
+                  <a16:creationId xmlns:a16="http://schemas.microsoft.com/office/drawing/2014/main" id="{04A7E5AE-66AE-4FDB-9C15-78BA13FF09E6}"/>
+                </a:ext>
+              </a:extLst>
+            </p:cNvPr>
+            <p:cNvPicPr>
+              <a:picLocks noChangeAspect="1" noChangeArrowheads="1"/>
+            </p:cNvPicPr>
+            <p:nvPr/>
+          </p:nvPicPr>
+          <p:blipFill>
+            <a:blip r:embed="rId3">
+              <a:extLst>
+                <a:ext uri="{28A0092B-C50C-407E-A947-70E740481C1C}">
+                  <a14:useLocalDpi xmlns:a14="http://schemas.microsoft.com/office/drawing/2010/main" val="0"/>
+                </a:ext>
+              </a:extLst>
+            </a:blip>
+            <a:srcRect/>
+            <a:stretch>
+              <a:fillRect/>
+            </a:stretch>
+          </p:blipFill>
+          <p:spPr bwMode="auto">
+            <a:xfrm>
+              <a:off x="6546149" y="2777041"/>
+              <a:ext cx="466036" cy="523881"/>
+            </a:xfrm>
+            <a:prstGeom prst="rect">
+              <a:avLst/>
+            </a:prstGeom>
+            <a:noFill/>
+            <a:extLst>
+              <a:ext uri="{909E8E84-426E-40DD-AFC4-6F175D3DCCD1}">
+                <a14:hiddenFill xmlns:a14="http://schemas.microsoft.com/office/drawing/2010/main">
+                  <a:solidFill>
+                    <a:srgbClr val="FFFFFF"/>
+                  </a:solidFill>
+                </a14:hiddenFill>
+              </a:ext>
+            </a:extLst>
+          </p:spPr>
+        </p:pic>
+        <p:pic>
+          <p:nvPicPr>
+            <p:cNvPr id="1030" name="Picture 6" descr="관련 이미지">
+              <a:extLst>
+                <a:ext uri="{FF2B5EF4-FFF2-40B4-BE49-F238E27FC236}">
+                  <a16:creationId xmlns:a16="http://schemas.microsoft.com/office/drawing/2014/main" id="{B774068A-C825-4E41-849C-8460B17F03E4}"/>
+                </a:ext>
+              </a:extLst>
+            </p:cNvPr>
+            <p:cNvPicPr>
+              <a:picLocks noChangeAspect="1" noChangeArrowheads="1"/>
+            </p:cNvPicPr>
+            <p:nvPr/>
+          </p:nvPicPr>
+          <p:blipFill>
+            <a:blip r:embed="rId4">
+              <a:extLst>
+                <a:ext uri="{28A0092B-C50C-407E-A947-70E740481C1C}">
+                  <a14:useLocalDpi xmlns:a14="http://schemas.microsoft.com/office/drawing/2010/main" val="0"/>
+                </a:ext>
+              </a:extLst>
+            </a:blip>
+            <a:srcRect/>
+            <a:stretch>
+              <a:fillRect/>
+            </a:stretch>
+          </p:blipFill>
+          <p:spPr bwMode="auto">
+            <a:xfrm>
+              <a:off x="7129385" y="2674401"/>
+              <a:ext cx="755135" cy="755135"/>
+            </a:xfrm>
+            <a:prstGeom prst="rect">
+              <a:avLst/>
+            </a:prstGeom>
+            <a:noFill/>
+            <a:extLst>
+              <a:ext uri="{909E8E84-426E-40DD-AFC4-6F175D3DCCD1}">
+                <a14:hiddenFill xmlns:a14="http://schemas.microsoft.com/office/drawing/2010/main">
+                  <a:solidFill>
+                    <a:srgbClr val="FFFFFF"/>
+                  </a:solidFill>
+                </a14:hiddenFill>
+              </a:ext>
+            </a:extLst>
+          </p:spPr>
+        </p:pic>
+        <p:pic>
+          <p:nvPicPr>
+            <p:cNvPr id="1032" name="Picture 8" descr="Java에 대한 이미지 검색결과">
+              <a:extLst>
+                <a:ext uri="{FF2B5EF4-FFF2-40B4-BE49-F238E27FC236}">
+                  <a16:creationId xmlns:a16="http://schemas.microsoft.com/office/drawing/2014/main" id="{2C536C25-A137-47C7-82FE-AF2E81819BD3}"/>
+                </a:ext>
+              </a:extLst>
+            </p:cNvPr>
+            <p:cNvPicPr>
+              <a:picLocks noChangeAspect="1" noChangeArrowheads="1"/>
+            </p:cNvPicPr>
+            <p:nvPr/>
+          </p:nvPicPr>
+          <p:blipFill>
+            <a:blip r:embed="rId5">
+              <a:extLst>
+                <a:ext uri="{28A0092B-C50C-407E-A947-70E740481C1C}">
+                  <a14:useLocalDpi xmlns:a14="http://schemas.microsoft.com/office/drawing/2010/main" val="0"/>
+                </a:ext>
+              </a:extLst>
+            </a:blip>
+            <a:srcRect/>
+            <a:stretch>
+              <a:fillRect/>
+            </a:stretch>
+          </p:blipFill>
+          <p:spPr bwMode="auto">
+            <a:xfrm>
+              <a:off x="8250238" y="2686573"/>
+              <a:ext cx="352979" cy="645584"/>
+            </a:xfrm>
+            <a:prstGeom prst="rect">
+              <a:avLst/>
+            </a:prstGeom>
+            <a:noFill/>
+            <a:extLst>
+              <a:ext uri="{909E8E84-426E-40DD-AFC4-6F175D3DCCD1}">
+                <a14:hiddenFill xmlns:a14="http://schemas.microsoft.com/office/drawing/2010/main">
+                  <a:solidFill>
+                    <a:srgbClr val="FFFFFF"/>
+                  </a:solidFill>
+                </a14:hiddenFill>
+              </a:ext>
+            </a:extLst>
+          </p:spPr>
+        </p:pic>
+        <p:pic>
+          <p:nvPicPr>
+            <p:cNvPr id="63" name="Picture 20" descr="python iconì ëí ì´ë¯¸ì§ ê²ìê²°ê³¼">
+              <a:extLst>
+                <a:ext uri="{FF2B5EF4-FFF2-40B4-BE49-F238E27FC236}">
+                  <a16:creationId xmlns:a16="http://schemas.microsoft.com/office/drawing/2014/main" id="{9FE9647C-ECA5-4745-B926-634CB2923220}"/>
+                </a:ext>
+              </a:extLst>
+            </p:cNvPr>
+            <p:cNvPicPr>
+              <a:picLocks noChangeAspect="1" noChangeArrowheads="1"/>
+            </p:cNvPicPr>
+            <p:nvPr/>
+          </p:nvPicPr>
+          <p:blipFill>
+            <a:blip r:embed="rId6">
+              <a:extLst>
+                <a:ext uri="{28A0092B-C50C-407E-A947-70E740481C1C}">
+                  <a14:useLocalDpi xmlns:a14="http://schemas.microsoft.com/office/drawing/2010/main" val="0"/>
+                </a:ext>
+              </a:extLst>
+            </a:blip>
+            <a:srcRect/>
+            <a:stretch>
+              <a:fillRect/>
+            </a:stretch>
+          </p:blipFill>
+          <p:spPr bwMode="auto">
+            <a:xfrm>
+              <a:off x="6215398" y="3498877"/>
+              <a:ext cx="1127538" cy="563769"/>
+            </a:xfrm>
+            <a:prstGeom prst="rect">
+              <a:avLst/>
+            </a:prstGeom>
+            <a:noFill/>
+            <a:extLst>
+              <a:ext uri="{909E8E84-426E-40DD-AFC4-6F175D3DCCD1}">
+                <a14:hiddenFill xmlns:a14="http://schemas.microsoft.com/office/drawing/2010/main">
+                  <a:solidFill>
+                    <a:srgbClr val="FFFFFF"/>
+                  </a:solidFill>
+                </a14:hiddenFill>
+              </a:ext>
+            </a:extLst>
+          </p:spPr>
+        </p:pic>
+        <p:pic>
+          <p:nvPicPr>
+            <p:cNvPr id="68" name="Picture 2" descr="jsp logoì ëí ì´ë¯¸ì§ ê²ìê²°ê³¼">
+              <a:extLst>
+                <a:ext uri="{FF2B5EF4-FFF2-40B4-BE49-F238E27FC236}">
+                  <a16:creationId xmlns:a16="http://schemas.microsoft.com/office/drawing/2014/main" id="{D100D8DD-155A-4693-8279-98B079343D06}"/>
+                </a:ext>
+              </a:extLst>
+            </p:cNvPr>
+            <p:cNvPicPr>
+              <a:picLocks noChangeAspect="1" noChangeArrowheads="1"/>
+            </p:cNvPicPr>
+            <p:nvPr/>
+          </p:nvPicPr>
+          <p:blipFill>
+            <a:blip r:embed="rId7">
+              <a:extLst>
+                <a:ext uri="{28A0092B-C50C-407E-A947-70E740481C1C}">
+                  <a14:useLocalDpi xmlns:a14="http://schemas.microsoft.com/office/drawing/2010/main" val="0"/>
+                </a:ext>
+              </a:extLst>
+            </a:blip>
+            <a:srcRect/>
+            <a:stretch>
+              <a:fillRect/>
+            </a:stretch>
+          </p:blipFill>
+          <p:spPr bwMode="auto">
+            <a:xfrm>
+              <a:off x="7285417" y="3464129"/>
+              <a:ext cx="501466" cy="520628"/>
+            </a:xfrm>
+            <a:prstGeom prst="rect">
+              <a:avLst/>
+            </a:prstGeom>
+            <a:noFill/>
+            <a:extLst>
+              <a:ext uri="{909E8E84-426E-40DD-AFC4-6F175D3DCCD1}">
+                <a14:hiddenFill xmlns:a14="http://schemas.microsoft.com/office/drawing/2010/main">
+                  <a:solidFill>
+                    <a:srgbClr val="FFFFFF"/>
+                  </a:solidFill>
+                </a14:hiddenFill>
+              </a:ext>
+            </a:extLst>
+          </p:spPr>
+        </p:pic>
+        <p:pic>
+          <p:nvPicPr>
+            <p:cNvPr id="69" name="Picture 4" descr="firebase ë¡ê³ ì ëí ì´ë¯¸ì§ ê²ìê²°ê³¼">
+              <a:extLst>
+                <a:ext uri="{FF2B5EF4-FFF2-40B4-BE49-F238E27FC236}">
+                  <a16:creationId xmlns:a16="http://schemas.microsoft.com/office/drawing/2014/main" id="{A9D3A262-E90B-49C2-9D14-0B8DA2F959D5}"/>
+                </a:ext>
+              </a:extLst>
+            </p:cNvPr>
+            <p:cNvPicPr>
+              <a:picLocks noChangeAspect="1" noChangeArrowheads="1"/>
+            </p:cNvPicPr>
+            <p:nvPr/>
+          </p:nvPicPr>
+          <p:blipFill>
+            <a:blip r:embed="rId8">
+              <a:extLst>
+                <a:ext uri="{28A0092B-C50C-407E-A947-70E740481C1C}">
+                  <a14:useLocalDpi xmlns:a14="http://schemas.microsoft.com/office/drawing/2010/main" val="0"/>
+                </a:ext>
+              </a:extLst>
+            </a:blip>
+            <a:srcRect/>
+            <a:stretch>
+              <a:fillRect/>
+            </a:stretch>
+          </p:blipFill>
+          <p:spPr bwMode="auto">
+            <a:xfrm>
+              <a:off x="8147094" y="3379115"/>
+              <a:ext cx="675038" cy="675038"/>
+            </a:xfrm>
+            <a:prstGeom prst="rect">
+              <a:avLst/>
+            </a:prstGeom>
+            <a:noFill/>
+            <a:extLst>
+              <a:ext uri="{909E8E84-426E-40DD-AFC4-6F175D3DCCD1}">
+                <a14:hiddenFill xmlns:a14="http://schemas.microsoft.com/office/drawing/2010/main">
+                  <a:solidFill>
+                    <a:srgbClr val="FFFFFF"/>
+                  </a:solidFill>
+                </a14:hiddenFill>
+              </a:ext>
+            </a:extLst>
+          </p:spPr>
+        </p:pic>
+        <p:pic>
+          <p:nvPicPr>
+            <p:cNvPr id="72" name="Picture 4" descr="androidì ëí ì´ë¯¸ì§ ê²ìê²°ê³¼">
+              <a:extLst>
+                <a:ext uri="{FF2B5EF4-FFF2-40B4-BE49-F238E27FC236}">
+                  <a16:creationId xmlns:a16="http://schemas.microsoft.com/office/drawing/2014/main" id="{7F231EB5-E623-4BFD-B3F1-EAF979642858}"/>
+                </a:ext>
+              </a:extLst>
+            </p:cNvPr>
+            <p:cNvPicPr>
+              <a:picLocks noChangeAspect="1" noChangeArrowheads="1"/>
+            </p:cNvPicPr>
+            <p:nvPr/>
+          </p:nvPicPr>
+          <p:blipFill>
+            <a:blip r:embed="rId9">
+              <a:extLst>
+                <a:ext uri="{28A0092B-C50C-407E-A947-70E740481C1C}">
+                  <a14:useLocalDpi xmlns:a14="http://schemas.microsoft.com/office/drawing/2010/main" val="0"/>
+                </a:ext>
+              </a:extLst>
+            </a:blip>
+            <a:srcRect/>
+            <a:stretch>
+              <a:fillRect/>
+            </a:stretch>
+          </p:blipFill>
+          <p:spPr bwMode="auto">
+            <a:xfrm>
+              <a:off x="6505662" y="4180438"/>
+              <a:ext cx="561863" cy="659399"/>
+            </a:xfrm>
+            <a:prstGeom prst="rect">
+              <a:avLst/>
+            </a:prstGeom>
+            <a:noFill/>
+            <a:extLst>
+              <a:ext uri="{909E8E84-426E-40DD-AFC4-6F175D3DCCD1}">
+                <a14:hiddenFill xmlns:a14="http://schemas.microsoft.com/office/drawing/2010/main">
+                  <a:solidFill>
+                    <a:srgbClr val="FFFFFF"/>
+                  </a:solidFill>
+                </a14:hiddenFill>
+              </a:ext>
+            </a:extLst>
+          </p:spPr>
+        </p:pic>
+        <p:pic>
+          <p:nvPicPr>
+            <p:cNvPr id="3" name="Picture 2" descr="Amazon.com: Oracle DB 11g Errors Guide: Appstore for Android">
+              <a:extLst>
+                <a:ext uri="{FF2B5EF4-FFF2-40B4-BE49-F238E27FC236}">
+                  <a16:creationId xmlns:a16="http://schemas.microsoft.com/office/drawing/2014/main" id="{51BB1391-4DCD-4864-80DD-C34881573BAF}"/>
+                </a:ext>
+              </a:extLst>
+            </p:cNvPr>
+            <p:cNvPicPr>
+              <a:picLocks noChangeAspect="1" noChangeArrowheads="1"/>
+            </p:cNvPicPr>
+            <p:nvPr/>
+          </p:nvPicPr>
+          <p:blipFill>
+            <a:blip r:embed="rId10">
+              <a:extLst>
+                <a:ext uri="{28A0092B-C50C-407E-A947-70E740481C1C}">
+                  <a14:useLocalDpi xmlns:a14="http://schemas.microsoft.com/office/drawing/2010/main" val="0"/>
+                </a:ext>
+              </a:extLst>
+            </a:blip>
+            <a:srcRect/>
+            <a:stretch>
+              <a:fillRect/>
+            </a:stretch>
+          </p:blipFill>
+          <p:spPr bwMode="auto">
+            <a:xfrm>
+              <a:off x="7171533" y="4132405"/>
+              <a:ext cx="751114" cy="751114"/>
+            </a:xfrm>
+            <a:prstGeom prst="rect">
+              <a:avLst/>
+            </a:prstGeom>
+            <a:noFill/>
+            <a:extLst>
+              <a:ext uri="{909E8E84-426E-40DD-AFC4-6F175D3DCCD1}">
+                <a14:hiddenFill xmlns:a14="http://schemas.microsoft.com/office/drawing/2010/main">
+                  <a:solidFill>
+                    <a:srgbClr val="FFFFFF"/>
+                  </a:solidFill>
+                </a14:hiddenFill>
+              </a:ext>
+            </a:extLst>
+          </p:spPr>
+        </p:pic>
+        <p:pic>
+          <p:nvPicPr>
+            <p:cNvPr id="4" name="Picture 4" descr="Spring | Home">
+              <a:extLst>
+                <a:ext uri="{FF2B5EF4-FFF2-40B4-BE49-F238E27FC236}">
+                  <a16:creationId xmlns:a16="http://schemas.microsoft.com/office/drawing/2014/main" id="{E1317485-11B9-43E3-8236-07606CD8BAC7}"/>
+                </a:ext>
+              </a:extLst>
+            </p:cNvPr>
+            <p:cNvPicPr>
+              <a:picLocks noChangeAspect="1" noChangeArrowheads="1"/>
+            </p:cNvPicPr>
+            <p:nvPr/>
+          </p:nvPicPr>
+          <p:blipFill>
+            <a:blip r:embed="rId11">
+              <a:extLst>
+                <a:ext uri="{28A0092B-C50C-407E-A947-70E740481C1C}">
+                  <a14:useLocalDpi xmlns:a14="http://schemas.microsoft.com/office/drawing/2010/main" val="0"/>
+                </a:ext>
+              </a:extLst>
+            </a:blip>
+            <a:srcRect/>
+            <a:stretch>
+              <a:fillRect/>
+            </a:stretch>
+          </p:blipFill>
+          <p:spPr bwMode="auto">
+            <a:xfrm>
+              <a:off x="7974675" y="4285433"/>
+              <a:ext cx="904107" cy="452054"/>
+            </a:xfrm>
+            <a:prstGeom prst="rect">
+              <a:avLst/>
+            </a:prstGeom>
+            <a:noFill/>
+            <a:extLst>
+              <a:ext uri="{909E8E84-426E-40DD-AFC4-6F175D3DCCD1}">
+                <a14:hiddenFill xmlns:a14="http://schemas.microsoft.com/office/drawing/2010/main">
+                  <a:solidFill>
+                    <a:srgbClr val="FFFFFF"/>
+                  </a:solidFill>
+                </a14:hiddenFill>
+              </a:ext>
+            </a:extLst>
+          </p:spPr>
+        </p:pic>
+      </p:grpSp>
+      <p:sp>
+        <p:nvSpPr>
+          <p:cNvPr id="43" name="TextBox 42">
+            <a:extLst>
+              <a:ext uri="{FF2B5EF4-FFF2-40B4-BE49-F238E27FC236}">
+                <a16:creationId xmlns:a16="http://schemas.microsoft.com/office/drawing/2014/main" id="{A15FCF10-2B62-4230-A75D-3C5F43E9A473}"/>
+              </a:ext>
+            </a:extLst>
+          </p:cNvPr>
+          <p:cNvSpPr txBox="1"/>
+          <p:nvPr/>
+        </p:nvSpPr>
+        <p:spPr>
+          <a:xfrm>
+            <a:off x="5602332" y="4793086"/>
+            <a:ext cx="1957587" cy="553998"/>
+          </a:xfrm>
+          <a:prstGeom prst="rect">
+            <a:avLst/>
+          </a:prstGeom>
+          <a:noFill/>
+        </p:spPr>
+        <p:txBody>
+          <a:bodyPr wrap="none" rtlCol="0">
+            <a:spAutoFit/>
+          </a:bodyPr>
+          <a:lstStyle/>
+          <a:p>
+            <a:r>
+              <a:rPr kumimoji="1" lang="en-US" altLang="ko-KR" sz="1000" smtClean="0">
+                <a:solidFill>
+                  <a:schemeClr val="tx1">
+                    <a:lumMod val="50000"/>
+                    <a:lumOff val="50000"/>
+                  </a:schemeClr>
+                </a:solidFill>
+                <a:latin typeface="+mn-ea"/>
+              </a:rPr>
+              <a:t>2017 : </a:t>
+            </a:r>
+            <a:r>
+              <a:rPr kumimoji="1" lang="ko-KR" altLang="en-US" sz="1000" smtClean="0">
+                <a:solidFill>
+                  <a:schemeClr val="tx1">
+                    <a:lumMod val="50000"/>
+                    <a:lumOff val="50000"/>
+                  </a:schemeClr>
+                </a:solidFill>
+                <a:latin typeface="+mn-ea"/>
+              </a:rPr>
+              <a:t>임베디드 공모전 장려상</a:t>
+            </a:r>
+            <a:endParaRPr kumimoji="1" lang="en-US" altLang="ko-KR" sz="1000" smtClean="0">
+              <a:solidFill>
+                <a:schemeClr val="tx1">
+                  <a:lumMod val="50000"/>
+                  <a:lumOff val="50000"/>
+                </a:schemeClr>
+              </a:solidFill>
+              <a:latin typeface="+mn-ea"/>
+            </a:endParaRPr>
+          </a:p>
+          <a:p>
+            <a:r>
+              <a:rPr kumimoji="1" lang="en-US" altLang="ko-KR" sz="1000" smtClean="0">
+                <a:solidFill>
+                  <a:schemeClr val="tx1">
+                    <a:lumMod val="50000"/>
+                    <a:lumOff val="50000"/>
+                  </a:schemeClr>
+                </a:solidFill>
+                <a:latin typeface="+mn-ea"/>
+              </a:rPr>
+              <a:t>2018 </a:t>
+            </a:r>
+            <a:r>
+              <a:rPr kumimoji="1" lang="en-US" altLang="ko-KR" sz="1000">
+                <a:solidFill>
+                  <a:schemeClr val="tx1">
+                    <a:lumMod val="50000"/>
+                    <a:lumOff val="50000"/>
+                  </a:schemeClr>
+                </a:solidFill>
+                <a:latin typeface="+mn-ea"/>
+              </a:rPr>
+              <a:t>: </a:t>
+            </a:r>
+            <a:r>
+              <a:rPr kumimoji="1" lang="ko-KR" altLang="en-US" sz="1000" smtClean="0">
+                <a:solidFill>
+                  <a:schemeClr val="tx1">
+                    <a:lumMod val="50000"/>
+                    <a:lumOff val="50000"/>
+                  </a:schemeClr>
+                </a:solidFill>
+                <a:latin typeface="+mn-ea"/>
+              </a:rPr>
+              <a:t>강원도 창업대회 동상</a:t>
+            </a:r>
+            <a:endParaRPr kumimoji="1" lang="ko-KR" altLang="en-US" sz="1000">
+              <a:solidFill>
+                <a:schemeClr val="tx1">
+                  <a:lumMod val="50000"/>
+                  <a:lumOff val="50000"/>
+                </a:schemeClr>
+              </a:solidFill>
+              <a:latin typeface="+mn-ea"/>
+            </a:endParaRPr>
+          </a:p>
+          <a:p>
+            <a:endParaRPr kumimoji="1" lang="ko-KR" altLang="en-US" sz="1000" dirty="0">
+              <a:solidFill>
+                <a:schemeClr val="tx1">
+                  <a:lumMod val="50000"/>
+                  <a:lumOff val="50000"/>
+                </a:schemeClr>
+              </a:solidFill>
+              <a:latin typeface="+mn-ea"/>
+            </a:endParaRPr>
+          </a:p>
+        </p:txBody>
+      </p:sp>
+      <p:sp>
+        <p:nvSpPr>
+          <p:cNvPr id="47" name="TextBox 46">
+            <a:extLst>
+              <a:ext uri="{FF2B5EF4-FFF2-40B4-BE49-F238E27FC236}">
+                <a16:creationId xmlns:a16="http://schemas.microsoft.com/office/drawing/2014/main" id="{EEF4D7F6-4493-4FFE-8B5A-EFC9CAE605D7}"/>
+              </a:ext>
+            </a:extLst>
+          </p:cNvPr>
+          <p:cNvSpPr txBox="1"/>
+          <p:nvPr/>
+        </p:nvSpPr>
+        <p:spPr>
+          <a:xfrm>
+            <a:off x="5607501" y="5594026"/>
+            <a:ext cx="840295" cy="246221"/>
+          </a:xfrm>
+          <a:prstGeom prst="rect">
+            <a:avLst/>
+          </a:prstGeom>
+          <a:noFill/>
+        </p:spPr>
+        <p:txBody>
+          <a:bodyPr wrap="none" rtlCol="0">
+            <a:spAutoFit/>
+          </a:bodyPr>
+          <a:lstStyle/>
+          <a:p>
+            <a:r>
+              <a:rPr kumimoji="1" lang="en-US" altLang="ko-KR" sz="1000" smtClean="0">
+                <a:solidFill>
+                  <a:schemeClr val="tx1">
+                    <a:lumMod val="50000"/>
+                    <a:lumOff val="50000"/>
+                  </a:schemeClr>
+                </a:solidFill>
+                <a:latin typeface="+mn-ea"/>
+              </a:rPr>
+              <a:t>2019 : OCP</a:t>
+            </a:r>
+            <a:endParaRPr kumimoji="1" lang="ko-KR" altLang="en-US" sz="1000" dirty="0">
+              <a:solidFill>
+                <a:schemeClr val="tx1">
+                  <a:lumMod val="50000"/>
+                  <a:lumOff val="50000"/>
+                </a:schemeClr>
+              </a:solidFill>
+              <a:latin typeface="+mn-ea"/>
+            </a:endParaRPr>
+          </a:p>
+        </p:txBody>
+      </p:sp>
+      <p:grpSp>
+        <p:nvGrpSpPr>
+          <p:cNvPr id="18" name="그룹 17"/>
+          <p:cNvGrpSpPr/>
+          <p:nvPr/>
+        </p:nvGrpSpPr>
+        <p:grpSpPr>
+          <a:xfrm>
+            <a:off x="5602332" y="4539170"/>
+            <a:ext cx="1426478" cy="253916"/>
+            <a:chOff x="4941844" y="1601591"/>
+            <a:chExt cx="1426478" cy="253916"/>
+          </a:xfrm>
+        </p:grpSpPr>
         <p:sp>
           <p:nvSpPr>
-            <p:cNvPr id="38" name="TextBox 37">
+            <p:cNvPr id="48" name="타원 47">
               <a:extLst>
                 <a:ext uri="{FF2B5EF4-FFF2-40B4-BE49-F238E27FC236}">
-                  <a16:creationId xmlns:a16="http://schemas.microsoft.com/office/drawing/2014/main" id="{65F76836-CD86-874A-B5A5-A8758E5488EE}"/>
+                  <a16:creationId xmlns:a16="http://schemas.microsoft.com/office/drawing/2014/main" id="{0EEF91FE-7A5C-4BF8-AED7-D8E796C27D77}"/>
+                </a:ext>
+              </a:extLst>
+            </p:cNvPr>
+            <p:cNvSpPr/>
+            <p:nvPr/>
+          </p:nvSpPr>
+          <p:spPr>
+            <a:xfrm>
+              <a:off x="4941844" y="1668634"/>
+              <a:ext cx="142613" cy="134086"/>
+            </a:xfrm>
+            <a:prstGeom prst="ellipse">
+              <a:avLst/>
+            </a:prstGeom>
+            <a:solidFill>
+              <a:srgbClr val="EC8A62"/>
+            </a:solidFill>
+            <a:ln>
+              <a:noFill/>
+            </a:ln>
+          </p:spPr>
+          <p:style>
+            <a:lnRef idx="2">
+              <a:schemeClr val="accent1">
+                <a:shade val="50000"/>
+              </a:schemeClr>
+            </a:lnRef>
+            <a:fillRef idx="1">
+              <a:schemeClr val="accent1"/>
+            </a:fillRef>
+            <a:effectRef idx="0">
+              <a:schemeClr val="accent1"/>
+            </a:effectRef>
+            <a:fontRef idx="minor">
+              <a:schemeClr val="lt1"/>
+            </a:fontRef>
+          </p:style>
+          <p:txBody>
+            <a:bodyPr rtlCol="0" anchor="ctr"/>
+            <a:lstStyle/>
+            <a:p>
+              <a:pPr algn="ctr"/>
+              <a:endParaRPr lang="ko-KR" altLang="en-US"/>
+            </a:p>
+          </p:txBody>
+        </p:sp>
+        <p:sp>
+          <p:nvSpPr>
+            <p:cNvPr id="49" name="TextBox 48">
+              <a:extLst>
+                <a:ext uri="{FF2B5EF4-FFF2-40B4-BE49-F238E27FC236}">
+                  <a16:creationId xmlns:a16="http://schemas.microsoft.com/office/drawing/2014/main" id="{EEE713D6-6A80-4E23-829A-190A9387744C}"/>
                 </a:ext>
               </a:extLst>
             </p:cNvPr>
@@ -6935,8 +7855,8 @@
           </p:nvSpPr>
           <p:spPr>
             <a:xfrm>
-              <a:off x="854346" y="2821258"/>
-              <a:ext cx="2098401" cy="307777"/>
+              <a:off x="5086045" y="1601591"/>
+              <a:ext cx="1282277" cy="253916"/>
             </a:xfrm>
             <a:prstGeom prst="rect">
               <a:avLst/>
@@ -6950,133 +7870,7 @@
             <a:lstStyle/>
             <a:p>
               <a:r>
-                <a:rPr lang="en-US" altLang="ko-KR" sz="1400" b="1" dirty="0">
-                  <a:solidFill>
-                    <a:srgbClr val="EC8A62"/>
-                  </a:solidFill>
-                  <a:latin typeface="Arita-dotum(TTF) Medium" panose="02020603020101020101" pitchFamily="18" charset="-127"/>
-                  <a:ea typeface="Arita-dotum(TTF) Medium" panose="02020603020101020101" pitchFamily="18" charset="-127"/>
-                </a:rPr>
-                <a:t>CONTACTS</a:t>
-              </a:r>
-              <a:endParaRPr lang="en-US" altLang="ko-KR" b="1" dirty="0">
-                <a:solidFill>
-                  <a:srgbClr val="EC8A62"/>
-                </a:solidFill>
-                <a:latin typeface="Arita-dotum(TTF) Medium" panose="02020603020101020101" pitchFamily="18" charset="-127"/>
-                <a:ea typeface="Arita-dotum(TTF) Medium" panose="02020603020101020101" pitchFamily="18" charset="-127"/>
-              </a:endParaRPr>
-            </a:p>
-          </p:txBody>
-        </p:sp>
-        <p:grpSp>
-          <p:nvGrpSpPr>
-            <p:cNvPr id="6" name="그룹 5"/>
-            <p:cNvGrpSpPr/>
-            <p:nvPr/>
-          </p:nvGrpSpPr>
-          <p:grpSpPr>
-            <a:xfrm>
-              <a:off x="5383375" y="1545504"/>
-              <a:ext cx="2728304" cy="2592061"/>
-              <a:chOff x="6215398" y="2382611"/>
-              <a:chExt cx="2728304" cy="2592061"/>
-            </a:xfrm>
-          </p:grpSpPr>
-          <p:sp>
-            <p:nvSpPr>
-              <p:cNvPr id="7" name="타원 6">
-                <a:extLst>
-                  <a:ext uri="{FF2B5EF4-FFF2-40B4-BE49-F238E27FC236}">
-                    <a16:creationId xmlns:a16="http://schemas.microsoft.com/office/drawing/2014/main" id="{0EEF91FE-7A5C-4BF8-AED7-D8E796C27D77}"/>
-                  </a:ext>
-                </a:extLst>
-              </p:cNvPr>
-              <p:cNvSpPr/>
-              <p:nvPr/>
-            </p:nvSpPr>
-            <p:spPr>
-              <a:xfrm>
-                <a:off x="6434356" y="2449654"/>
-                <a:ext cx="142613" cy="134086"/>
-              </a:xfrm>
-              <a:prstGeom prst="ellipse">
-                <a:avLst/>
-              </a:prstGeom>
-              <a:solidFill>
-                <a:srgbClr val="EC8A62"/>
-              </a:solidFill>
-              <a:ln>
-                <a:noFill/>
-              </a:ln>
-            </p:spPr>
-            <p:style>
-              <a:lnRef idx="2">
-                <a:schemeClr val="accent1">
-                  <a:shade val="50000"/>
-                </a:schemeClr>
-              </a:lnRef>
-              <a:fillRef idx="1">
-                <a:schemeClr val="accent1"/>
-              </a:fillRef>
-              <a:effectRef idx="0">
-                <a:schemeClr val="accent1"/>
-              </a:effectRef>
-              <a:fontRef idx="minor">
-                <a:schemeClr val="lt1"/>
-              </a:fontRef>
-            </p:style>
-            <p:txBody>
-              <a:bodyPr rtlCol="0" anchor="ctr"/>
-              <a:lstStyle/>
-              <a:p>
-                <a:pPr algn="ctr"/>
-                <a:endParaRPr lang="ko-KR" altLang="en-US"/>
-              </a:p>
-            </p:txBody>
-          </p:sp>
-          <p:sp>
-            <p:nvSpPr>
-              <p:cNvPr id="61" name="TextBox 60">
-                <a:extLst>
-                  <a:ext uri="{FF2B5EF4-FFF2-40B4-BE49-F238E27FC236}">
-                    <a16:creationId xmlns:a16="http://schemas.microsoft.com/office/drawing/2014/main" id="{EEE713D6-6A80-4E23-829A-190A9387744C}"/>
-                  </a:ext>
-                </a:extLst>
-              </p:cNvPr>
-              <p:cNvSpPr txBox="1"/>
-              <p:nvPr/>
-            </p:nvSpPr>
-            <p:spPr>
-              <a:xfrm>
-                <a:off x="6578557" y="2382611"/>
-                <a:ext cx="1282277" cy="253916"/>
-              </a:xfrm>
-              <a:prstGeom prst="rect">
-                <a:avLst/>
-              </a:prstGeom>
-              <a:noFill/>
-            </p:spPr>
-            <p:txBody>
-              <a:bodyPr wrap="square" rtlCol="0">
-                <a:spAutoFit/>
-              </a:bodyPr>
-              <a:lstStyle/>
-              <a:p>
-                <a:r>
-                  <a:rPr lang="en-US" altLang="ko-KR" sz="1050" b="1" dirty="0">
-                    <a:solidFill>
-                      <a:schemeClr val="tx1">
-                        <a:lumMod val="75000"/>
-                        <a:lumOff val="25000"/>
-                      </a:schemeClr>
-                    </a:solidFill>
-                    <a:latin typeface="+mj-ea"/>
-                    <a:ea typeface="+mj-ea"/>
-                  </a:rPr>
-                  <a:t>SKILL</a:t>
-                </a:r>
-                <a:endParaRPr lang="ko-KR" altLang="en-US" sz="700" b="1" dirty="0">
+                <a:rPr lang="ko-KR" altLang="en-US" sz="1050" b="1" smtClean="0">
                   <a:solidFill>
                     <a:schemeClr val="tx1">
                       <a:lumMod val="75000"/>
@@ -7085,495 +7879,95 @@
                   </a:solidFill>
                   <a:latin typeface="+mj-ea"/>
                   <a:ea typeface="+mj-ea"/>
-                </a:endParaRPr>
-              </a:p>
-            </p:txBody>
-          </p:sp>
-          <p:sp>
-            <p:nvSpPr>
-              <p:cNvPr id="62" name="대각선 방향의 모서리가 둥근 사각형 24">
-                <a:extLst>
-                  <a:ext uri="{FF2B5EF4-FFF2-40B4-BE49-F238E27FC236}">
-                    <a16:creationId xmlns:a16="http://schemas.microsoft.com/office/drawing/2014/main" id="{92B62CB1-CAB6-49B5-ABBC-004ECAE53C11}"/>
-                  </a:ext>
-                </a:extLst>
-              </p:cNvPr>
-              <p:cNvSpPr/>
-              <p:nvPr/>
-            </p:nvSpPr>
-            <p:spPr>
-              <a:xfrm>
-                <a:off x="6434355" y="2665847"/>
-                <a:ext cx="2509347" cy="2308825"/>
-              </a:xfrm>
-              <a:prstGeom prst="round2DiagRect">
-                <a:avLst/>
-              </a:prstGeom>
-              <a:solidFill>
-                <a:schemeClr val="accent4">
-                  <a:lumMod val="20000"/>
-                  <a:lumOff val="80000"/>
-                </a:schemeClr>
-              </a:solidFill>
-              <a:ln>
-                <a:noFill/>
-              </a:ln>
-            </p:spPr>
-            <p:style>
-              <a:lnRef idx="2">
-                <a:schemeClr val="accent1">
-                  <a:shade val="50000"/>
-                </a:schemeClr>
-              </a:lnRef>
-              <a:fillRef idx="1">
-                <a:schemeClr val="accent1"/>
-              </a:fillRef>
-              <a:effectRef idx="0">
-                <a:schemeClr val="accent1"/>
-              </a:effectRef>
-              <a:fontRef idx="minor">
-                <a:schemeClr val="lt1"/>
-              </a:fontRef>
-            </p:style>
-            <p:txBody>
-              <a:bodyPr rtlCol="0" anchor="ctr"/>
-              <a:lstStyle/>
-              <a:p>
-                <a:pPr algn="ctr"/>
-                <a:endParaRPr kumimoji="1" lang="ko-KR" altLang="en-US" sz="1463"/>
-              </a:p>
-            </p:txBody>
-          </p:sp>
-          <p:pic>
-            <p:nvPicPr>
-              <p:cNvPr id="1026" name="Picture 2" descr="c에 대한 이미지 검색결과">
-                <a:extLst>
-                  <a:ext uri="{FF2B5EF4-FFF2-40B4-BE49-F238E27FC236}">
-                    <a16:creationId xmlns:a16="http://schemas.microsoft.com/office/drawing/2014/main" id="{04A7E5AE-66AE-4FDB-9C15-78BA13FF09E6}"/>
-                  </a:ext>
-                </a:extLst>
-              </p:cNvPr>
-              <p:cNvPicPr>
-                <a:picLocks noChangeAspect="1" noChangeArrowheads="1"/>
-              </p:cNvPicPr>
-              <p:nvPr/>
-            </p:nvPicPr>
-            <p:blipFill>
-              <a:blip r:embed="rId2">
-                <a:extLst>
-                  <a:ext uri="{28A0092B-C50C-407E-A947-70E740481C1C}">
-                    <a14:useLocalDpi xmlns:a14="http://schemas.microsoft.com/office/drawing/2010/main" val="0"/>
-                  </a:ext>
-                </a:extLst>
-              </a:blip>
-              <a:srcRect/>
-              <a:stretch>
-                <a:fillRect/>
-              </a:stretch>
-            </p:blipFill>
-            <p:spPr bwMode="auto">
-              <a:xfrm>
-                <a:off x="6546149" y="2777041"/>
-                <a:ext cx="466036" cy="523881"/>
-              </a:xfrm>
-              <a:prstGeom prst="rect">
-                <a:avLst/>
-              </a:prstGeom>
-              <a:noFill/>
+                </a:rPr>
+                <a:t>수상경력</a:t>
+              </a:r>
+              <a:endParaRPr lang="ko-KR" altLang="en-US" sz="700" b="1" dirty="0">
+                <a:solidFill>
+                  <a:schemeClr val="tx1">
+                    <a:lumMod val="75000"/>
+                    <a:lumOff val="25000"/>
+                  </a:schemeClr>
+                </a:solidFill>
+                <a:latin typeface="+mj-ea"/>
+                <a:ea typeface="+mj-ea"/>
+              </a:endParaRPr>
+            </a:p>
+          </p:txBody>
+        </p:sp>
+      </p:grpSp>
+      <p:grpSp>
+        <p:nvGrpSpPr>
+          <p:cNvPr id="50" name="그룹 49"/>
+          <p:cNvGrpSpPr/>
+          <p:nvPr/>
+        </p:nvGrpSpPr>
+        <p:grpSpPr>
+          <a:xfrm>
+            <a:off x="5626019" y="5289466"/>
+            <a:ext cx="1426478" cy="253916"/>
+            <a:chOff x="4941844" y="1601591"/>
+            <a:chExt cx="1426478" cy="253916"/>
+          </a:xfrm>
+        </p:grpSpPr>
+        <p:sp>
+          <p:nvSpPr>
+            <p:cNvPr id="51" name="타원 50">
               <a:extLst>
-                <a:ext uri="{909E8E84-426E-40DD-AFC4-6F175D3DCCD1}">
-                  <a14:hiddenFill xmlns:a14="http://schemas.microsoft.com/office/drawing/2010/main">
-                    <a:solidFill>
-                      <a:srgbClr val="FFFFFF"/>
-                    </a:solidFill>
-                  </a14:hiddenFill>
+                <a:ext uri="{FF2B5EF4-FFF2-40B4-BE49-F238E27FC236}">
+                  <a16:creationId xmlns:a16="http://schemas.microsoft.com/office/drawing/2014/main" id="{0EEF91FE-7A5C-4BF8-AED7-D8E796C27D77}"/>
                 </a:ext>
               </a:extLst>
-            </p:spPr>
-          </p:pic>
-          <p:pic>
-            <p:nvPicPr>
-              <p:cNvPr id="1030" name="Picture 6" descr="관련 이미지">
-                <a:extLst>
-                  <a:ext uri="{FF2B5EF4-FFF2-40B4-BE49-F238E27FC236}">
-                    <a16:creationId xmlns:a16="http://schemas.microsoft.com/office/drawing/2014/main" id="{B774068A-C825-4E41-849C-8460B17F03E4}"/>
-                  </a:ext>
-                </a:extLst>
-              </p:cNvPr>
-              <p:cNvPicPr>
-                <a:picLocks noChangeAspect="1" noChangeArrowheads="1"/>
-              </p:cNvPicPr>
-              <p:nvPr/>
-            </p:nvPicPr>
-            <p:blipFill>
-              <a:blip r:embed="rId3">
-                <a:extLst>
-                  <a:ext uri="{28A0092B-C50C-407E-A947-70E740481C1C}">
-                    <a14:useLocalDpi xmlns:a14="http://schemas.microsoft.com/office/drawing/2010/main" val="0"/>
-                  </a:ext>
-                </a:extLst>
-              </a:blip>
-              <a:srcRect/>
-              <a:stretch>
-                <a:fillRect/>
-              </a:stretch>
-            </p:blipFill>
-            <p:spPr bwMode="auto">
-              <a:xfrm>
-                <a:off x="7129385" y="2674401"/>
-                <a:ext cx="755135" cy="755135"/>
-              </a:xfrm>
-              <a:prstGeom prst="rect">
-                <a:avLst/>
-              </a:prstGeom>
+            </p:cNvPr>
+            <p:cNvSpPr/>
+            <p:nvPr/>
+          </p:nvSpPr>
+          <p:spPr>
+            <a:xfrm>
+              <a:off x="4941844" y="1668634"/>
+              <a:ext cx="142613" cy="134086"/>
+            </a:xfrm>
+            <a:prstGeom prst="ellipse">
+              <a:avLst/>
+            </a:prstGeom>
+            <a:solidFill>
+              <a:srgbClr val="EC8A62"/>
+            </a:solidFill>
+            <a:ln>
               <a:noFill/>
-              <a:extLst>
-                <a:ext uri="{909E8E84-426E-40DD-AFC4-6F175D3DCCD1}">
-                  <a14:hiddenFill xmlns:a14="http://schemas.microsoft.com/office/drawing/2010/main">
-                    <a:solidFill>
-                      <a:srgbClr val="FFFFFF"/>
-                    </a:solidFill>
-                  </a14:hiddenFill>
-                </a:ext>
-              </a:extLst>
-            </p:spPr>
-          </p:pic>
-          <p:pic>
-            <p:nvPicPr>
-              <p:cNvPr id="1032" name="Picture 8" descr="Java에 대한 이미지 검색결과">
-                <a:extLst>
-                  <a:ext uri="{FF2B5EF4-FFF2-40B4-BE49-F238E27FC236}">
-                    <a16:creationId xmlns:a16="http://schemas.microsoft.com/office/drawing/2014/main" id="{2C536C25-A137-47C7-82FE-AF2E81819BD3}"/>
-                  </a:ext>
-                </a:extLst>
-              </p:cNvPr>
-              <p:cNvPicPr>
-                <a:picLocks noChangeAspect="1" noChangeArrowheads="1"/>
-              </p:cNvPicPr>
-              <p:nvPr/>
-            </p:nvPicPr>
-            <p:blipFill>
-              <a:blip r:embed="rId4">
-                <a:extLst>
-                  <a:ext uri="{28A0092B-C50C-407E-A947-70E740481C1C}">
-                    <a14:useLocalDpi xmlns:a14="http://schemas.microsoft.com/office/drawing/2010/main" val="0"/>
-                  </a:ext>
-                </a:extLst>
-              </a:blip>
-              <a:srcRect/>
-              <a:stretch>
-                <a:fillRect/>
-              </a:stretch>
-            </p:blipFill>
-            <p:spPr bwMode="auto">
-              <a:xfrm>
-                <a:off x="8250238" y="2686573"/>
-                <a:ext cx="352979" cy="645584"/>
-              </a:xfrm>
-              <a:prstGeom prst="rect">
-                <a:avLst/>
-              </a:prstGeom>
-              <a:noFill/>
-              <a:extLst>
-                <a:ext uri="{909E8E84-426E-40DD-AFC4-6F175D3DCCD1}">
-                  <a14:hiddenFill xmlns:a14="http://schemas.microsoft.com/office/drawing/2010/main">
-                    <a:solidFill>
-                      <a:srgbClr val="FFFFFF"/>
-                    </a:solidFill>
-                  </a14:hiddenFill>
-                </a:ext>
-              </a:extLst>
-            </p:spPr>
-          </p:pic>
-          <p:pic>
-            <p:nvPicPr>
-              <p:cNvPr id="63" name="Picture 20" descr="python iconì ëí ì´ë¯¸ì§ ê²ìê²°ê³¼">
-                <a:extLst>
-                  <a:ext uri="{FF2B5EF4-FFF2-40B4-BE49-F238E27FC236}">
-                    <a16:creationId xmlns:a16="http://schemas.microsoft.com/office/drawing/2014/main" id="{9FE9647C-ECA5-4745-B926-634CB2923220}"/>
-                  </a:ext>
-                </a:extLst>
-              </p:cNvPr>
-              <p:cNvPicPr>
-                <a:picLocks noChangeAspect="1" noChangeArrowheads="1"/>
-              </p:cNvPicPr>
-              <p:nvPr/>
-            </p:nvPicPr>
-            <p:blipFill>
-              <a:blip r:embed="rId5">
-                <a:extLst>
-                  <a:ext uri="{28A0092B-C50C-407E-A947-70E740481C1C}">
-                    <a14:useLocalDpi xmlns:a14="http://schemas.microsoft.com/office/drawing/2010/main" val="0"/>
-                  </a:ext>
-                </a:extLst>
-              </a:blip>
-              <a:srcRect/>
-              <a:stretch>
-                <a:fillRect/>
-              </a:stretch>
-            </p:blipFill>
-            <p:spPr bwMode="auto">
-              <a:xfrm>
-                <a:off x="6215398" y="3498877"/>
-                <a:ext cx="1127538" cy="563769"/>
-              </a:xfrm>
-              <a:prstGeom prst="rect">
-                <a:avLst/>
-              </a:prstGeom>
-              <a:noFill/>
-              <a:extLst>
-                <a:ext uri="{909E8E84-426E-40DD-AFC4-6F175D3DCCD1}">
-                  <a14:hiddenFill xmlns:a14="http://schemas.microsoft.com/office/drawing/2010/main">
-                    <a:solidFill>
-                      <a:srgbClr val="FFFFFF"/>
-                    </a:solidFill>
-                  </a14:hiddenFill>
-                </a:ext>
-              </a:extLst>
-            </p:spPr>
-          </p:pic>
-          <p:pic>
-            <p:nvPicPr>
-              <p:cNvPr id="68" name="Picture 2" descr="jsp logoì ëí ì´ë¯¸ì§ ê²ìê²°ê³¼">
-                <a:extLst>
-                  <a:ext uri="{FF2B5EF4-FFF2-40B4-BE49-F238E27FC236}">
-                    <a16:creationId xmlns:a16="http://schemas.microsoft.com/office/drawing/2014/main" id="{D100D8DD-155A-4693-8279-98B079343D06}"/>
-                  </a:ext>
-                </a:extLst>
-              </p:cNvPr>
-              <p:cNvPicPr>
-                <a:picLocks noChangeAspect="1" noChangeArrowheads="1"/>
-              </p:cNvPicPr>
-              <p:nvPr/>
-            </p:nvPicPr>
-            <p:blipFill>
-              <a:blip r:embed="rId6">
-                <a:extLst>
-                  <a:ext uri="{28A0092B-C50C-407E-A947-70E740481C1C}">
-                    <a14:useLocalDpi xmlns:a14="http://schemas.microsoft.com/office/drawing/2010/main" val="0"/>
-                  </a:ext>
-                </a:extLst>
-              </a:blip>
-              <a:srcRect/>
-              <a:stretch>
-                <a:fillRect/>
-              </a:stretch>
-            </p:blipFill>
-            <p:spPr bwMode="auto">
-              <a:xfrm>
-                <a:off x="7285417" y="3464129"/>
-                <a:ext cx="501466" cy="520628"/>
-              </a:xfrm>
-              <a:prstGeom prst="rect">
-                <a:avLst/>
-              </a:prstGeom>
-              <a:noFill/>
-              <a:extLst>
-                <a:ext uri="{909E8E84-426E-40DD-AFC4-6F175D3DCCD1}">
-                  <a14:hiddenFill xmlns:a14="http://schemas.microsoft.com/office/drawing/2010/main">
-                    <a:solidFill>
-                      <a:srgbClr val="FFFFFF"/>
-                    </a:solidFill>
-                  </a14:hiddenFill>
-                </a:ext>
-              </a:extLst>
-            </p:spPr>
-          </p:pic>
-          <p:pic>
-            <p:nvPicPr>
-              <p:cNvPr id="69" name="Picture 4" descr="firebase ë¡ê³ ì ëí ì´ë¯¸ì§ ê²ìê²°ê³¼">
-                <a:extLst>
-                  <a:ext uri="{FF2B5EF4-FFF2-40B4-BE49-F238E27FC236}">
-                    <a16:creationId xmlns:a16="http://schemas.microsoft.com/office/drawing/2014/main" id="{A9D3A262-E90B-49C2-9D14-0B8DA2F959D5}"/>
-                  </a:ext>
-                </a:extLst>
-              </p:cNvPr>
-              <p:cNvPicPr>
-                <a:picLocks noChangeAspect="1" noChangeArrowheads="1"/>
-              </p:cNvPicPr>
-              <p:nvPr/>
-            </p:nvPicPr>
-            <p:blipFill>
-              <a:blip r:embed="rId7">
-                <a:extLst>
-                  <a:ext uri="{28A0092B-C50C-407E-A947-70E740481C1C}">
-                    <a14:useLocalDpi xmlns:a14="http://schemas.microsoft.com/office/drawing/2010/main" val="0"/>
-                  </a:ext>
-                </a:extLst>
-              </a:blip>
-              <a:srcRect/>
-              <a:stretch>
-                <a:fillRect/>
-              </a:stretch>
-            </p:blipFill>
-            <p:spPr bwMode="auto">
-              <a:xfrm>
-                <a:off x="8147094" y="3379115"/>
-                <a:ext cx="675038" cy="675038"/>
-              </a:xfrm>
-              <a:prstGeom prst="rect">
-                <a:avLst/>
-              </a:prstGeom>
-              <a:noFill/>
-              <a:extLst>
-                <a:ext uri="{909E8E84-426E-40DD-AFC4-6F175D3DCCD1}">
-                  <a14:hiddenFill xmlns:a14="http://schemas.microsoft.com/office/drawing/2010/main">
-                    <a:solidFill>
-                      <a:srgbClr val="FFFFFF"/>
-                    </a:solidFill>
-                  </a14:hiddenFill>
-                </a:ext>
-              </a:extLst>
-            </p:spPr>
-          </p:pic>
-          <p:pic>
-            <p:nvPicPr>
-              <p:cNvPr id="72" name="Picture 4" descr="androidì ëí ì´ë¯¸ì§ ê²ìê²°ê³¼">
-                <a:extLst>
-                  <a:ext uri="{FF2B5EF4-FFF2-40B4-BE49-F238E27FC236}">
-                    <a16:creationId xmlns:a16="http://schemas.microsoft.com/office/drawing/2014/main" id="{7F231EB5-E623-4BFD-B3F1-EAF979642858}"/>
-                  </a:ext>
-                </a:extLst>
-              </p:cNvPr>
-              <p:cNvPicPr>
-                <a:picLocks noChangeAspect="1" noChangeArrowheads="1"/>
-              </p:cNvPicPr>
-              <p:nvPr/>
-            </p:nvPicPr>
-            <p:blipFill>
-              <a:blip r:embed="rId8">
-                <a:extLst>
-                  <a:ext uri="{28A0092B-C50C-407E-A947-70E740481C1C}">
-                    <a14:useLocalDpi xmlns:a14="http://schemas.microsoft.com/office/drawing/2010/main" val="0"/>
-                  </a:ext>
-                </a:extLst>
-              </a:blip>
-              <a:srcRect/>
-              <a:stretch>
-                <a:fillRect/>
-              </a:stretch>
-            </p:blipFill>
-            <p:spPr bwMode="auto">
-              <a:xfrm>
-                <a:off x="6505662" y="4180438"/>
-                <a:ext cx="561863" cy="659399"/>
-              </a:xfrm>
-              <a:prstGeom prst="rect">
-                <a:avLst/>
-              </a:prstGeom>
-              <a:noFill/>
-              <a:extLst>
-                <a:ext uri="{909E8E84-426E-40DD-AFC4-6F175D3DCCD1}">
-                  <a14:hiddenFill xmlns:a14="http://schemas.microsoft.com/office/drawing/2010/main">
-                    <a:solidFill>
-                      <a:srgbClr val="FFFFFF"/>
-                    </a:solidFill>
-                  </a14:hiddenFill>
-                </a:ext>
-              </a:extLst>
-            </p:spPr>
-          </p:pic>
-          <p:pic>
-            <p:nvPicPr>
-              <p:cNvPr id="3" name="Picture 2" descr="Amazon.com: Oracle DB 11g Errors Guide: Appstore for Android">
-                <a:extLst>
-                  <a:ext uri="{FF2B5EF4-FFF2-40B4-BE49-F238E27FC236}">
-                    <a16:creationId xmlns:a16="http://schemas.microsoft.com/office/drawing/2014/main" id="{51BB1391-4DCD-4864-80DD-C34881573BAF}"/>
-                  </a:ext>
-                </a:extLst>
-              </p:cNvPr>
-              <p:cNvPicPr>
-                <a:picLocks noChangeAspect="1" noChangeArrowheads="1"/>
-              </p:cNvPicPr>
-              <p:nvPr/>
-            </p:nvPicPr>
-            <p:blipFill>
-              <a:blip r:embed="rId9">
-                <a:extLst>
-                  <a:ext uri="{28A0092B-C50C-407E-A947-70E740481C1C}">
-                    <a14:useLocalDpi xmlns:a14="http://schemas.microsoft.com/office/drawing/2010/main" val="0"/>
-                  </a:ext>
-                </a:extLst>
-              </a:blip>
-              <a:srcRect/>
-              <a:stretch>
-                <a:fillRect/>
-              </a:stretch>
-            </p:blipFill>
-            <p:spPr bwMode="auto">
-              <a:xfrm>
-                <a:off x="7171533" y="4132405"/>
-                <a:ext cx="751114" cy="751114"/>
-              </a:xfrm>
-              <a:prstGeom prst="rect">
-                <a:avLst/>
-              </a:prstGeom>
-              <a:noFill/>
-              <a:extLst>
-                <a:ext uri="{909E8E84-426E-40DD-AFC4-6F175D3DCCD1}">
-                  <a14:hiddenFill xmlns:a14="http://schemas.microsoft.com/office/drawing/2010/main">
-                    <a:solidFill>
-                      <a:srgbClr val="FFFFFF"/>
-                    </a:solidFill>
-                  </a14:hiddenFill>
-                </a:ext>
-              </a:extLst>
-            </p:spPr>
-          </p:pic>
-          <p:pic>
-            <p:nvPicPr>
-              <p:cNvPr id="4" name="Picture 4" descr="Spring | Home">
-                <a:extLst>
-                  <a:ext uri="{FF2B5EF4-FFF2-40B4-BE49-F238E27FC236}">
-                    <a16:creationId xmlns:a16="http://schemas.microsoft.com/office/drawing/2014/main" id="{E1317485-11B9-43E3-8236-07606CD8BAC7}"/>
-                  </a:ext>
-                </a:extLst>
-              </p:cNvPr>
-              <p:cNvPicPr>
-                <a:picLocks noChangeAspect="1" noChangeArrowheads="1"/>
-              </p:cNvPicPr>
-              <p:nvPr/>
-            </p:nvPicPr>
-            <p:blipFill>
-              <a:blip r:embed="rId10">
-                <a:extLst>
-                  <a:ext uri="{28A0092B-C50C-407E-A947-70E740481C1C}">
-                    <a14:useLocalDpi xmlns:a14="http://schemas.microsoft.com/office/drawing/2010/main" val="0"/>
-                  </a:ext>
-                </a:extLst>
-              </a:blip>
-              <a:srcRect/>
-              <a:stretch>
-                <a:fillRect/>
-              </a:stretch>
-            </p:blipFill>
-            <p:spPr bwMode="auto">
-              <a:xfrm>
-                <a:off x="7974675" y="4285433"/>
-                <a:ext cx="904107" cy="452054"/>
-              </a:xfrm>
-              <a:prstGeom prst="rect">
-                <a:avLst/>
-              </a:prstGeom>
-              <a:noFill/>
-              <a:extLst>
-                <a:ext uri="{909E8E84-426E-40DD-AFC4-6F175D3DCCD1}">
-                  <a14:hiddenFill xmlns:a14="http://schemas.microsoft.com/office/drawing/2010/main">
-                    <a:solidFill>
-                      <a:srgbClr val="FFFFFF"/>
-                    </a:solidFill>
-                  </a14:hiddenFill>
-                </a:ext>
-              </a:extLst>
-            </p:spPr>
-          </p:pic>
-        </p:grpSp>
+            </a:ln>
+          </p:spPr>
+          <p:style>
+            <a:lnRef idx="2">
+              <a:schemeClr val="accent1">
+                <a:shade val="50000"/>
+              </a:schemeClr>
+            </a:lnRef>
+            <a:fillRef idx="1">
+              <a:schemeClr val="accent1"/>
+            </a:fillRef>
+            <a:effectRef idx="0">
+              <a:schemeClr val="accent1"/>
+            </a:effectRef>
+            <a:fontRef idx="minor">
+              <a:schemeClr val="lt1"/>
+            </a:fontRef>
+          </p:style>
+          <p:txBody>
+            <a:bodyPr rtlCol="0" anchor="ctr"/>
+            <a:lstStyle/>
+            <a:p>
+              <a:pPr algn="ctr"/>
+              <a:endParaRPr lang="ko-KR" altLang="en-US"/>
+            </a:p>
+          </p:txBody>
+        </p:sp>
         <p:sp>
           <p:nvSpPr>
-            <p:cNvPr id="43" name="TextBox 42">
+            <p:cNvPr id="52" name="TextBox 51">
               <a:extLst>
                 <a:ext uri="{FF2B5EF4-FFF2-40B4-BE49-F238E27FC236}">
-                  <a16:creationId xmlns:a16="http://schemas.microsoft.com/office/drawing/2014/main" id="{A15FCF10-2B62-4230-A75D-3C5F43E9A473}"/>
+                  <a16:creationId xmlns:a16="http://schemas.microsoft.com/office/drawing/2014/main" id="{EEE713D6-6A80-4E23-829A-190A9387744C}"/>
                 </a:ext>
               </a:extLst>
             </p:cNvPr>
@@ -7582,513 +7976,8 @@
           </p:nvSpPr>
           <p:spPr>
             <a:xfrm>
-              <a:off x="5602332" y="4793086"/>
-              <a:ext cx="1957587" cy="553998"/>
-            </a:xfrm>
-            <a:prstGeom prst="rect">
-              <a:avLst/>
-            </a:prstGeom>
-            <a:noFill/>
-          </p:spPr>
-          <p:txBody>
-            <a:bodyPr wrap="none" rtlCol="0">
-              <a:spAutoFit/>
-            </a:bodyPr>
-            <a:lstStyle/>
-            <a:p>
-              <a:r>
-                <a:rPr kumimoji="1" lang="en-US" altLang="ko-KR" sz="1000" smtClean="0">
-                  <a:solidFill>
-                    <a:schemeClr val="tx1">
-                      <a:lumMod val="50000"/>
-                      <a:lumOff val="50000"/>
-                    </a:schemeClr>
-                  </a:solidFill>
-                  <a:latin typeface="+mn-ea"/>
-                </a:rPr>
-                <a:t>2017 : </a:t>
-              </a:r>
-              <a:r>
-                <a:rPr kumimoji="1" lang="ko-KR" altLang="en-US" sz="1000" smtClean="0">
-                  <a:solidFill>
-                    <a:schemeClr val="tx1">
-                      <a:lumMod val="50000"/>
-                      <a:lumOff val="50000"/>
-                    </a:schemeClr>
-                  </a:solidFill>
-                  <a:latin typeface="+mn-ea"/>
-                </a:rPr>
-                <a:t>임베디드 공모전 장려상</a:t>
-              </a:r>
-              <a:endParaRPr kumimoji="1" lang="en-US" altLang="ko-KR" sz="1000" smtClean="0">
-                <a:solidFill>
-                  <a:schemeClr val="tx1">
-                    <a:lumMod val="50000"/>
-                    <a:lumOff val="50000"/>
-                  </a:schemeClr>
-                </a:solidFill>
-                <a:latin typeface="+mn-ea"/>
-              </a:endParaRPr>
-            </a:p>
-            <a:p>
-              <a:r>
-                <a:rPr kumimoji="1" lang="en-US" altLang="ko-KR" sz="1000" smtClean="0">
-                  <a:solidFill>
-                    <a:schemeClr val="tx1">
-                      <a:lumMod val="50000"/>
-                      <a:lumOff val="50000"/>
-                    </a:schemeClr>
-                  </a:solidFill>
-                  <a:latin typeface="+mn-ea"/>
-                </a:rPr>
-                <a:t>2018 </a:t>
-              </a:r>
-              <a:r>
-                <a:rPr kumimoji="1" lang="en-US" altLang="ko-KR" sz="1000">
-                  <a:solidFill>
-                    <a:schemeClr val="tx1">
-                      <a:lumMod val="50000"/>
-                      <a:lumOff val="50000"/>
-                    </a:schemeClr>
-                  </a:solidFill>
-                  <a:latin typeface="+mn-ea"/>
-                </a:rPr>
-                <a:t>: </a:t>
-              </a:r>
-              <a:r>
-                <a:rPr kumimoji="1" lang="ko-KR" altLang="en-US" sz="1000" smtClean="0">
-                  <a:solidFill>
-                    <a:schemeClr val="tx1">
-                      <a:lumMod val="50000"/>
-                      <a:lumOff val="50000"/>
-                    </a:schemeClr>
-                  </a:solidFill>
-                  <a:latin typeface="+mn-ea"/>
-                </a:rPr>
-                <a:t>강원도 창업대회 동상</a:t>
-              </a:r>
-              <a:endParaRPr kumimoji="1" lang="ko-KR" altLang="en-US" sz="1000">
-                <a:solidFill>
-                  <a:schemeClr val="tx1">
-                    <a:lumMod val="50000"/>
-                    <a:lumOff val="50000"/>
-                  </a:schemeClr>
-                </a:solidFill>
-                <a:latin typeface="+mn-ea"/>
-              </a:endParaRPr>
-            </a:p>
-            <a:p>
-              <a:endParaRPr kumimoji="1" lang="ko-KR" altLang="en-US" sz="1000" dirty="0">
-                <a:solidFill>
-                  <a:schemeClr val="tx1">
-                    <a:lumMod val="50000"/>
-                    <a:lumOff val="50000"/>
-                  </a:schemeClr>
-                </a:solidFill>
-                <a:latin typeface="+mn-ea"/>
-              </a:endParaRPr>
-            </a:p>
-          </p:txBody>
-        </p:sp>
-        <p:sp>
-          <p:nvSpPr>
-            <p:cNvPr id="47" name="TextBox 46">
-              <a:extLst>
-                <a:ext uri="{FF2B5EF4-FFF2-40B4-BE49-F238E27FC236}">
-                  <a16:creationId xmlns:a16="http://schemas.microsoft.com/office/drawing/2014/main" id="{EEF4D7F6-4493-4FFE-8B5A-EFC9CAE605D7}"/>
-                </a:ext>
-              </a:extLst>
-            </p:cNvPr>
-            <p:cNvSpPr txBox="1"/>
-            <p:nvPr/>
-          </p:nvSpPr>
-          <p:spPr>
-            <a:xfrm>
-              <a:off x="5607501" y="5594026"/>
-              <a:ext cx="840295" cy="246221"/>
-            </a:xfrm>
-            <a:prstGeom prst="rect">
-              <a:avLst/>
-            </a:prstGeom>
-            <a:noFill/>
-          </p:spPr>
-          <p:txBody>
-            <a:bodyPr wrap="none" rtlCol="0">
-              <a:spAutoFit/>
-            </a:bodyPr>
-            <a:lstStyle/>
-            <a:p>
-              <a:r>
-                <a:rPr kumimoji="1" lang="en-US" altLang="ko-KR" sz="1000" smtClean="0">
-                  <a:solidFill>
-                    <a:schemeClr val="tx1">
-                      <a:lumMod val="50000"/>
-                      <a:lumOff val="50000"/>
-                    </a:schemeClr>
-                  </a:solidFill>
-                  <a:latin typeface="+mn-ea"/>
-                </a:rPr>
-                <a:t>2019 : OCP</a:t>
-              </a:r>
-              <a:endParaRPr kumimoji="1" lang="ko-KR" altLang="en-US" sz="1000" dirty="0">
-                <a:solidFill>
-                  <a:schemeClr val="tx1">
-                    <a:lumMod val="50000"/>
-                    <a:lumOff val="50000"/>
-                  </a:schemeClr>
-                </a:solidFill>
-                <a:latin typeface="+mn-ea"/>
-              </a:endParaRPr>
-            </a:p>
-          </p:txBody>
-        </p:sp>
-        <p:grpSp>
-          <p:nvGrpSpPr>
-            <p:cNvPr id="18" name="그룹 17"/>
-            <p:cNvGrpSpPr/>
-            <p:nvPr/>
-          </p:nvGrpSpPr>
-          <p:grpSpPr>
-            <a:xfrm>
-              <a:off x="5602332" y="4539170"/>
-              <a:ext cx="1426478" cy="253916"/>
-              <a:chOff x="4941844" y="1601591"/>
-              <a:chExt cx="1426478" cy="253916"/>
-            </a:xfrm>
-          </p:grpSpPr>
-          <p:sp>
-            <p:nvSpPr>
-              <p:cNvPr id="48" name="타원 47">
-                <a:extLst>
-                  <a:ext uri="{FF2B5EF4-FFF2-40B4-BE49-F238E27FC236}">
-                    <a16:creationId xmlns:a16="http://schemas.microsoft.com/office/drawing/2014/main" id="{0EEF91FE-7A5C-4BF8-AED7-D8E796C27D77}"/>
-                  </a:ext>
-                </a:extLst>
-              </p:cNvPr>
-              <p:cNvSpPr/>
-              <p:nvPr/>
-            </p:nvSpPr>
-            <p:spPr>
-              <a:xfrm>
-                <a:off x="4941844" y="1668634"/>
-                <a:ext cx="142613" cy="134086"/>
-              </a:xfrm>
-              <a:prstGeom prst="ellipse">
-                <a:avLst/>
-              </a:prstGeom>
-              <a:solidFill>
-                <a:srgbClr val="EC8A62"/>
-              </a:solidFill>
-              <a:ln>
-                <a:noFill/>
-              </a:ln>
-            </p:spPr>
-            <p:style>
-              <a:lnRef idx="2">
-                <a:schemeClr val="accent1">
-                  <a:shade val="50000"/>
-                </a:schemeClr>
-              </a:lnRef>
-              <a:fillRef idx="1">
-                <a:schemeClr val="accent1"/>
-              </a:fillRef>
-              <a:effectRef idx="0">
-                <a:schemeClr val="accent1"/>
-              </a:effectRef>
-              <a:fontRef idx="minor">
-                <a:schemeClr val="lt1"/>
-              </a:fontRef>
-            </p:style>
-            <p:txBody>
-              <a:bodyPr rtlCol="0" anchor="ctr"/>
-              <a:lstStyle/>
-              <a:p>
-                <a:pPr algn="ctr"/>
-                <a:endParaRPr lang="ko-KR" altLang="en-US"/>
-              </a:p>
-            </p:txBody>
-          </p:sp>
-          <p:sp>
-            <p:nvSpPr>
-              <p:cNvPr id="49" name="TextBox 48">
-                <a:extLst>
-                  <a:ext uri="{FF2B5EF4-FFF2-40B4-BE49-F238E27FC236}">
-                    <a16:creationId xmlns:a16="http://schemas.microsoft.com/office/drawing/2014/main" id="{EEE713D6-6A80-4E23-829A-190A9387744C}"/>
-                  </a:ext>
-                </a:extLst>
-              </p:cNvPr>
-              <p:cNvSpPr txBox="1"/>
-              <p:nvPr/>
-            </p:nvSpPr>
-            <p:spPr>
-              <a:xfrm>
-                <a:off x="5086045" y="1601591"/>
-                <a:ext cx="1282277" cy="253916"/>
-              </a:xfrm>
-              <a:prstGeom prst="rect">
-                <a:avLst/>
-              </a:prstGeom>
-              <a:noFill/>
-            </p:spPr>
-            <p:txBody>
-              <a:bodyPr wrap="square" rtlCol="0">
-                <a:spAutoFit/>
-              </a:bodyPr>
-              <a:lstStyle/>
-              <a:p>
-                <a:r>
-                  <a:rPr lang="ko-KR" altLang="en-US" sz="1050" b="1" smtClean="0">
-                    <a:solidFill>
-                      <a:schemeClr val="tx1">
-                        <a:lumMod val="75000"/>
-                        <a:lumOff val="25000"/>
-                      </a:schemeClr>
-                    </a:solidFill>
-                    <a:latin typeface="+mj-ea"/>
-                    <a:ea typeface="+mj-ea"/>
-                  </a:rPr>
-                  <a:t>수상경력</a:t>
-                </a:r>
-                <a:endParaRPr lang="ko-KR" altLang="en-US" sz="700" b="1" dirty="0">
-                  <a:solidFill>
-                    <a:schemeClr val="tx1">
-                      <a:lumMod val="75000"/>
-                      <a:lumOff val="25000"/>
-                    </a:schemeClr>
-                  </a:solidFill>
-                  <a:latin typeface="+mj-ea"/>
-                  <a:ea typeface="+mj-ea"/>
-                </a:endParaRPr>
-              </a:p>
-            </p:txBody>
-          </p:sp>
-        </p:grpSp>
-        <p:grpSp>
-          <p:nvGrpSpPr>
-            <p:cNvPr id="50" name="그룹 49"/>
-            <p:cNvGrpSpPr/>
-            <p:nvPr/>
-          </p:nvGrpSpPr>
-          <p:grpSpPr>
-            <a:xfrm>
-              <a:off x="5626019" y="5289466"/>
-              <a:ext cx="1426478" cy="253916"/>
-              <a:chOff x="4941844" y="1601591"/>
-              <a:chExt cx="1426478" cy="253916"/>
-            </a:xfrm>
-          </p:grpSpPr>
-          <p:sp>
-            <p:nvSpPr>
-              <p:cNvPr id="51" name="타원 50">
-                <a:extLst>
-                  <a:ext uri="{FF2B5EF4-FFF2-40B4-BE49-F238E27FC236}">
-                    <a16:creationId xmlns:a16="http://schemas.microsoft.com/office/drawing/2014/main" id="{0EEF91FE-7A5C-4BF8-AED7-D8E796C27D77}"/>
-                  </a:ext>
-                </a:extLst>
-              </p:cNvPr>
-              <p:cNvSpPr/>
-              <p:nvPr/>
-            </p:nvSpPr>
-            <p:spPr>
-              <a:xfrm>
-                <a:off x="4941844" y="1668634"/>
-                <a:ext cx="142613" cy="134086"/>
-              </a:xfrm>
-              <a:prstGeom prst="ellipse">
-                <a:avLst/>
-              </a:prstGeom>
-              <a:solidFill>
-                <a:srgbClr val="EC8A62"/>
-              </a:solidFill>
-              <a:ln>
-                <a:noFill/>
-              </a:ln>
-            </p:spPr>
-            <p:style>
-              <a:lnRef idx="2">
-                <a:schemeClr val="accent1">
-                  <a:shade val="50000"/>
-                </a:schemeClr>
-              </a:lnRef>
-              <a:fillRef idx="1">
-                <a:schemeClr val="accent1"/>
-              </a:fillRef>
-              <a:effectRef idx="0">
-                <a:schemeClr val="accent1"/>
-              </a:effectRef>
-              <a:fontRef idx="minor">
-                <a:schemeClr val="lt1"/>
-              </a:fontRef>
-            </p:style>
-            <p:txBody>
-              <a:bodyPr rtlCol="0" anchor="ctr"/>
-              <a:lstStyle/>
-              <a:p>
-                <a:pPr algn="ctr"/>
-                <a:endParaRPr lang="ko-KR" altLang="en-US"/>
-              </a:p>
-            </p:txBody>
-          </p:sp>
-          <p:sp>
-            <p:nvSpPr>
-              <p:cNvPr id="52" name="TextBox 51">
-                <a:extLst>
-                  <a:ext uri="{FF2B5EF4-FFF2-40B4-BE49-F238E27FC236}">
-                    <a16:creationId xmlns:a16="http://schemas.microsoft.com/office/drawing/2014/main" id="{EEE713D6-6A80-4E23-829A-190A9387744C}"/>
-                  </a:ext>
-                </a:extLst>
-              </p:cNvPr>
-              <p:cNvSpPr txBox="1"/>
-              <p:nvPr/>
-            </p:nvSpPr>
-            <p:spPr>
-              <a:xfrm>
-                <a:off x="5086045" y="1601591"/>
-                <a:ext cx="1282277" cy="253916"/>
-              </a:xfrm>
-              <a:prstGeom prst="rect">
-                <a:avLst/>
-              </a:prstGeom>
-              <a:noFill/>
-            </p:spPr>
-            <p:txBody>
-              <a:bodyPr wrap="square" rtlCol="0">
-                <a:spAutoFit/>
-              </a:bodyPr>
-              <a:lstStyle/>
-              <a:p>
-                <a:r>
-                  <a:rPr lang="ko-KR" altLang="en-US" sz="1050" b="1" smtClean="0">
-                    <a:solidFill>
-                      <a:schemeClr val="tx1">
-                        <a:lumMod val="75000"/>
-                        <a:lumOff val="25000"/>
-                      </a:schemeClr>
-                    </a:solidFill>
-                    <a:latin typeface="+mj-ea"/>
-                    <a:ea typeface="+mj-ea"/>
-                  </a:rPr>
-                  <a:t>자격증</a:t>
-                </a:r>
-                <a:endParaRPr lang="ko-KR" altLang="en-US" sz="700" b="1" dirty="0">
-                  <a:solidFill>
-                    <a:schemeClr val="tx1">
-                      <a:lumMod val="75000"/>
-                      <a:lumOff val="25000"/>
-                    </a:schemeClr>
-                  </a:solidFill>
-                  <a:latin typeface="+mj-ea"/>
-                  <a:ea typeface="+mj-ea"/>
-                </a:endParaRPr>
-              </a:p>
-            </p:txBody>
-          </p:sp>
-        </p:grpSp>
-        <p:sp>
-          <p:nvSpPr>
-            <p:cNvPr id="56" name="TextBox 55">
-              <a:extLst>
-                <a:ext uri="{FF2B5EF4-FFF2-40B4-BE49-F238E27FC236}">
-                  <a16:creationId xmlns:a16="http://schemas.microsoft.com/office/drawing/2014/main" id="{99BE264D-0869-5E4C-9150-9E9A806B5851}"/>
-                </a:ext>
-              </a:extLst>
-            </p:cNvPr>
-            <p:cNvSpPr txBox="1"/>
-            <p:nvPr/>
-          </p:nvSpPr>
-          <p:spPr>
-            <a:xfrm>
-              <a:off x="878270" y="4443421"/>
-              <a:ext cx="4360841" cy="1246495"/>
-            </a:xfrm>
-            <a:prstGeom prst="rect">
-              <a:avLst/>
-            </a:prstGeom>
-            <a:noFill/>
-          </p:spPr>
-          <p:txBody>
-            <a:bodyPr wrap="square" rtlCol="0">
-              <a:spAutoFit/>
-            </a:bodyPr>
-            <a:lstStyle/>
-            <a:p>
-              <a:pPr>
-                <a:lnSpc>
-                  <a:spcPct val="150000"/>
-                </a:lnSpc>
-              </a:pPr>
-              <a:r>
-                <a:rPr lang="ko-KR" altLang="en-US" sz="1000" smtClean="0">
-                  <a:latin typeface="+mn-ea"/>
-                </a:rPr>
-                <a:t>불가능한 일정의 프로젝트 완료 후 언제나 높은 목표에  도전하고  성공하는 삶을 추구하게 되었습니다</a:t>
-              </a:r>
-              <a:r>
-                <a:rPr lang="en-US" altLang="ko-KR" sz="1000" smtClean="0">
-                  <a:latin typeface="+mn-ea"/>
-                </a:rPr>
-                <a:t>. </a:t>
-              </a:r>
-            </a:p>
-            <a:p>
-              <a:pPr>
-                <a:lnSpc>
-                  <a:spcPct val="150000"/>
-                </a:lnSpc>
-              </a:pPr>
-              <a:r>
-                <a:rPr lang="ko-KR" altLang="en-US" sz="1000" smtClean="0">
-                  <a:latin typeface="+mn-ea"/>
-                </a:rPr>
-                <a:t>많은 프로젝트 경험을 통해 팀은 하나라는 생각으로 팀의 성공을 위해 힘들더라도 서로 돕고</a:t>
-              </a:r>
-              <a:r>
-                <a:rPr lang="en-US" altLang="ko-KR" sz="1000">
-                  <a:latin typeface="+mn-ea"/>
-                </a:rPr>
-                <a:t> </a:t>
-              </a:r>
-              <a:r>
-                <a:rPr lang="ko-KR" altLang="en-US" sz="1000" smtClean="0">
-                  <a:latin typeface="+mn-ea"/>
-                </a:rPr>
-                <a:t> 협업해야 함을 알고 실천해가고 있습니다</a:t>
-              </a:r>
-              <a:r>
-                <a:rPr lang="en-US" altLang="ko-KR" sz="1000" smtClean="0">
-                  <a:latin typeface="+mn-ea"/>
-                </a:rPr>
-                <a:t>.</a:t>
-              </a:r>
-            </a:p>
-            <a:p>
-              <a:pPr>
-                <a:lnSpc>
-                  <a:spcPct val="150000"/>
-                </a:lnSpc>
-              </a:pPr>
-              <a:endParaRPr lang="en-US" altLang="ko-KR" sz="1000" dirty="0">
-                <a:latin typeface="+mn-ea"/>
-              </a:endParaRPr>
-            </a:p>
-          </p:txBody>
-        </p:sp>
-        <p:sp>
-          <p:nvSpPr>
-            <p:cNvPr id="57" name="TextBox 56">
-              <a:extLst>
-                <a:ext uri="{FF2B5EF4-FFF2-40B4-BE49-F238E27FC236}">
-                  <a16:creationId xmlns:a16="http://schemas.microsoft.com/office/drawing/2014/main" id="{6EEF2267-E146-B642-8B3C-65C8B2EA3107}"/>
-                </a:ext>
-              </a:extLst>
-            </p:cNvPr>
-            <p:cNvSpPr txBox="1"/>
-            <p:nvPr/>
-          </p:nvSpPr>
-          <p:spPr>
-            <a:xfrm>
-              <a:off x="860063" y="4084382"/>
-              <a:ext cx="2098401" cy="307777"/>
+              <a:off x="5086045" y="1601591"/>
+              <a:ext cx="1282277" cy="253916"/>
             </a:xfrm>
             <a:prstGeom prst="rect">
               <a:avLst/>
@@ -8102,64 +7991,207 @@
             <a:lstStyle/>
             <a:p>
               <a:r>
-                <a:rPr lang="ko-KR" altLang="en-US" sz="1400" b="1" smtClean="0">
+                <a:rPr lang="ko-KR" altLang="en-US" sz="1050" b="1" smtClean="0">
                   <a:solidFill>
-                    <a:srgbClr val="EC8A62"/>
+                    <a:schemeClr val="tx1">
+                      <a:lumMod val="75000"/>
+                      <a:lumOff val="25000"/>
+                    </a:schemeClr>
                   </a:solidFill>
-                  <a:latin typeface="Arita-dotum(TTF) Medium" panose="02020603020101020101" pitchFamily="18" charset="-127"/>
-                  <a:ea typeface="Arita-dotum(TTF) Medium" panose="02020603020101020101" pitchFamily="18" charset="-127"/>
+                  <a:latin typeface="+mj-ea"/>
+                  <a:ea typeface="+mj-ea"/>
                 </a:rPr>
-                <a:t>가치관</a:t>
+                <a:t>자격증</a:t>
               </a:r>
-              <a:endParaRPr lang="en-US" altLang="ko-KR" b="1" dirty="0">
+              <a:endParaRPr lang="ko-KR" altLang="en-US" sz="700" b="1" dirty="0">
+                <a:solidFill>
+                  <a:schemeClr val="tx1">
+                    <a:lumMod val="75000"/>
+                    <a:lumOff val="25000"/>
+                  </a:schemeClr>
+                </a:solidFill>
+                <a:latin typeface="+mj-ea"/>
+                <a:ea typeface="+mj-ea"/>
+              </a:endParaRPr>
+            </a:p>
+          </p:txBody>
+        </p:sp>
+      </p:grpSp>
+      <p:sp>
+        <p:nvSpPr>
+          <p:cNvPr id="56" name="TextBox 55">
+            <a:extLst>
+              <a:ext uri="{FF2B5EF4-FFF2-40B4-BE49-F238E27FC236}">
+                <a16:creationId xmlns:a16="http://schemas.microsoft.com/office/drawing/2014/main" id="{99BE264D-0869-5E4C-9150-9E9A806B5851}"/>
+              </a:ext>
+            </a:extLst>
+          </p:cNvPr>
+          <p:cNvSpPr txBox="1"/>
+          <p:nvPr/>
+        </p:nvSpPr>
+        <p:spPr>
+          <a:xfrm>
+            <a:off x="878270" y="4443421"/>
+            <a:ext cx="4360841" cy="1246495"/>
+          </a:xfrm>
+          <a:prstGeom prst="rect">
+            <a:avLst/>
+          </a:prstGeom>
+          <a:noFill/>
+        </p:spPr>
+        <p:txBody>
+          <a:bodyPr wrap="square" rtlCol="0">
+            <a:spAutoFit/>
+          </a:bodyPr>
+          <a:lstStyle/>
+          <a:p>
+            <a:pPr>
+              <a:lnSpc>
+                <a:spcPct val="150000"/>
+              </a:lnSpc>
+            </a:pPr>
+            <a:r>
+              <a:rPr lang="ko-KR" altLang="en-US" sz="1000" smtClean="0">
+                <a:latin typeface="+mn-ea"/>
+              </a:rPr>
+              <a:t>불가능한 일정의 프로젝트 완료 후 언제나 높은 목표에  도전하고  성공하는 삶을 추구하게 되었습니다</a:t>
+            </a:r>
+            <a:r>
+              <a:rPr lang="en-US" altLang="ko-KR" sz="1000" smtClean="0">
+                <a:latin typeface="+mn-ea"/>
+              </a:rPr>
+              <a:t>. </a:t>
+            </a:r>
+          </a:p>
+          <a:p>
+            <a:pPr>
+              <a:lnSpc>
+                <a:spcPct val="150000"/>
+              </a:lnSpc>
+            </a:pPr>
+            <a:r>
+              <a:rPr lang="ko-KR" altLang="en-US" sz="1000" smtClean="0">
+                <a:latin typeface="+mn-ea"/>
+              </a:rPr>
+              <a:t>많은 프로젝트 경험을 통해 팀은 하나라는 생각으로 팀의 성공을 위해 힘들더라도 서로 돕고</a:t>
+            </a:r>
+            <a:r>
+              <a:rPr lang="en-US" altLang="ko-KR" sz="1000">
+                <a:latin typeface="+mn-ea"/>
+              </a:rPr>
+              <a:t> </a:t>
+            </a:r>
+            <a:r>
+              <a:rPr lang="ko-KR" altLang="en-US" sz="1000" smtClean="0">
+                <a:latin typeface="+mn-ea"/>
+              </a:rPr>
+              <a:t> 협업해야 함을 알고 실천해가고 있습니다</a:t>
+            </a:r>
+            <a:r>
+              <a:rPr lang="en-US" altLang="ko-KR" sz="1000" smtClean="0">
+                <a:latin typeface="+mn-ea"/>
+              </a:rPr>
+              <a:t>.</a:t>
+            </a:r>
+          </a:p>
+          <a:p>
+            <a:pPr>
+              <a:lnSpc>
+                <a:spcPct val="150000"/>
+              </a:lnSpc>
+            </a:pPr>
+            <a:endParaRPr lang="en-US" altLang="ko-KR" sz="1000" dirty="0">
+              <a:latin typeface="+mn-ea"/>
+            </a:endParaRPr>
+          </a:p>
+        </p:txBody>
+      </p:sp>
+      <p:sp>
+        <p:nvSpPr>
+          <p:cNvPr id="57" name="TextBox 56">
+            <a:extLst>
+              <a:ext uri="{FF2B5EF4-FFF2-40B4-BE49-F238E27FC236}">
+                <a16:creationId xmlns:a16="http://schemas.microsoft.com/office/drawing/2014/main" id="{6EEF2267-E146-B642-8B3C-65C8B2EA3107}"/>
+              </a:ext>
+            </a:extLst>
+          </p:cNvPr>
+          <p:cNvSpPr txBox="1"/>
+          <p:nvPr/>
+        </p:nvSpPr>
+        <p:spPr>
+          <a:xfrm>
+            <a:off x="860063" y="4084382"/>
+            <a:ext cx="2098401" cy="307777"/>
+          </a:xfrm>
+          <a:prstGeom prst="rect">
+            <a:avLst/>
+          </a:prstGeom>
+          <a:noFill/>
+        </p:spPr>
+        <p:txBody>
+          <a:bodyPr wrap="square" rtlCol="0">
+            <a:spAutoFit/>
+          </a:bodyPr>
+          <a:lstStyle/>
+          <a:p>
+            <a:r>
+              <a:rPr lang="ko-KR" altLang="en-US" sz="1400" b="1" smtClean="0">
                 <a:solidFill>
                   <a:srgbClr val="EC8A62"/>
                 </a:solidFill>
                 <a:latin typeface="Arita-dotum(TTF) Medium" panose="02020603020101020101" pitchFamily="18" charset="-127"/>
                 <a:ea typeface="Arita-dotum(TTF) Medium" panose="02020603020101020101" pitchFamily="18" charset="-127"/>
-              </a:endParaRPr>
-            </a:p>
-          </p:txBody>
-        </p:sp>
-        <p:cxnSp>
-          <p:nvCxnSpPr>
-            <p:cNvPr id="64" name="직선 연결선 14">
-              <a:extLst>
-                <a:ext uri="{FF2B5EF4-FFF2-40B4-BE49-F238E27FC236}">
-                  <a16:creationId xmlns:a16="http://schemas.microsoft.com/office/drawing/2014/main" id="{D721A74E-F58E-CD44-98D4-AA4E01F03C92}"/>
-                </a:ext>
-              </a:extLst>
-            </p:cNvPr>
-            <p:cNvCxnSpPr>
-              <a:cxnSpLocks/>
-            </p:cNvCxnSpPr>
-            <p:nvPr/>
-          </p:nvCxnSpPr>
-          <p:spPr>
-            <a:xfrm>
-              <a:off x="968255" y="4390604"/>
-              <a:ext cx="874292" cy="0"/>
-            </a:xfrm>
-            <a:prstGeom prst="line">
-              <a:avLst/>
-            </a:prstGeom>
-          </p:spPr>
-          <p:style>
-            <a:lnRef idx="1">
-              <a:schemeClr val="accent3"/>
-            </a:lnRef>
-            <a:fillRef idx="0">
-              <a:schemeClr val="accent3"/>
-            </a:fillRef>
-            <a:effectRef idx="0">
-              <a:schemeClr val="accent3"/>
-            </a:effectRef>
-            <a:fontRef idx="minor">
-              <a:schemeClr val="tx1"/>
-            </a:fontRef>
-          </p:style>
-        </p:cxnSp>
-      </p:grpSp>
+              </a:rPr>
+              <a:t>가치관</a:t>
+            </a:r>
+            <a:endParaRPr lang="en-US" altLang="ko-KR" b="1" dirty="0">
+              <a:solidFill>
+                <a:srgbClr val="EC8A62"/>
+              </a:solidFill>
+              <a:latin typeface="Arita-dotum(TTF) Medium" panose="02020603020101020101" pitchFamily="18" charset="-127"/>
+              <a:ea typeface="Arita-dotum(TTF) Medium" panose="02020603020101020101" pitchFamily="18" charset="-127"/>
+            </a:endParaRPr>
+          </a:p>
+        </p:txBody>
+      </p:sp>
+      <p:cxnSp>
+        <p:nvCxnSpPr>
+          <p:cNvPr id="64" name="직선 연결선 14">
+            <a:extLst>
+              <a:ext uri="{FF2B5EF4-FFF2-40B4-BE49-F238E27FC236}">
+                <a16:creationId xmlns:a16="http://schemas.microsoft.com/office/drawing/2014/main" id="{D721A74E-F58E-CD44-98D4-AA4E01F03C92}"/>
+              </a:ext>
+            </a:extLst>
+          </p:cNvPr>
+          <p:cNvCxnSpPr>
+            <a:cxnSpLocks/>
+          </p:cNvCxnSpPr>
+          <p:nvPr/>
+        </p:nvCxnSpPr>
+        <p:spPr>
+          <a:xfrm>
+            <a:off x="968255" y="4390604"/>
+            <a:ext cx="874292" cy="0"/>
+          </a:xfrm>
+          <a:prstGeom prst="line">
+            <a:avLst/>
+          </a:prstGeom>
+        </p:spPr>
+        <p:style>
+          <a:lnRef idx="1">
+            <a:schemeClr val="accent3"/>
+          </a:lnRef>
+          <a:fillRef idx="0">
+            <a:schemeClr val="accent3"/>
+          </a:fillRef>
+          <a:effectRef idx="0">
+            <a:schemeClr val="accent3"/>
+          </a:effectRef>
+          <a:fontRef idx="minor">
+            <a:schemeClr val="tx1"/>
+          </a:fontRef>
+        </p:style>
+      </p:cxnSp>
     </p:spTree>
     <p:extLst>
       <p:ext uri="{BB962C8B-B14F-4D97-AF65-F5344CB8AC3E}">
@@ -8170,6 +8202,13 @@
   <p:clrMapOvr>
     <a:masterClrMapping/>
   </p:clrMapOvr>
+  <p:timing>
+    <p:tnLst>
+      <p:par>
+        <p:cTn id="1" dur="indefinite" restart="never" nodeType="tmRoot"/>
+      </p:par>
+    </p:tnLst>
+  </p:timing>
 </p:sld>
 </file>
 
@@ -11001,6 +11040,13 @@
   <p:clrMapOvr>
     <a:masterClrMapping/>
   </p:clrMapOvr>
+  <p:timing>
+    <p:tnLst>
+      <p:par>
+        <p:cTn id="1" dur="indefinite" restart="never" nodeType="tmRoot"/>
+      </p:par>
+    </p:tnLst>
+  </p:timing>
 </p:sld>
 </file>
 
@@ -11308,9 +11354,9 @@
         <p:grpSpPr>
           <a:xfrm>
             <a:off x="426551" y="1409613"/>
-            <a:ext cx="4508402" cy="4861621"/>
+            <a:ext cx="4508402" cy="4603255"/>
             <a:chOff x="426551" y="1409613"/>
-            <a:chExt cx="4508402" cy="4861621"/>
+            <a:chExt cx="4508402" cy="4603255"/>
           </a:xfrm>
         </p:grpSpPr>
         <p:sp>
@@ -11328,7 +11374,7 @@
           <p:spPr>
             <a:xfrm>
               <a:off x="426551" y="1409613"/>
-              <a:ext cx="2336223" cy="461665"/>
+              <a:ext cx="3516799" cy="461665"/>
             </a:xfrm>
             <a:prstGeom prst="rect">
               <a:avLst/>
@@ -11672,133 +11718,6 @@
                       <a:lumOff val="50000"/>
                     </a:schemeClr>
                   </a:solidFill>
-                  <a:latin typeface="+mn-ea"/>
-                </a:endParaRPr>
-              </a:p>
-            </p:txBody>
-          </p:sp>
-        </p:grpSp>
-        <p:grpSp>
-          <p:nvGrpSpPr>
-            <p:cNvPr id="25" name="그룹 24">
-              <a:extLst>
-                <a:ext uri="{FF2B5EF4-FFF2-40B4-BE49-F238E27FC236}">
-                  <a16:creationId xmlns:a16="http://schemas.microsoft.com/office/drawing/2014/main" id="{17F3D77D-B63E-4FDA-B608-4F178AFBACC9}"/>
-                </a:ext>
-              </a:extLst>
-            </p:cNvPr>
-            <p:cNvGrpSpPr/>
-            <p:nvPr/>
-          </p:nvGrpSpPr>
-          <p:grpSpPr>
-            <a:xfrm>
-              <a:off x="555676" y="6017318"/>
-              <a:ext cx="1508979" cy="253916"/>
-              <a:chOff x="6654694" y="4740005"/>
-              <a:chExt cx="1508979" cy="253916"/>
-            </a:xfrm>
-          </p:grpSpPr>
-          <p:sp>
-            <p:nvSpPr>
-              <p:cNvPr id="149" name="삼각형 45">
-                <a:extLst>
-                  <a:ext uri="{FF2B5EF4-FFF2-40B4-BE49-F238E27FC236}">
-                    <a16:creationId xmlns:a16="http://schemas.microsoft.com/office/drawing/2014/main" id="{079A80A8-5369-461E-B6E4-135C69EE1526}"/>
-                  </a:ext>
-                </a:extLst>
-              </p:cNvPr>
-              <p:cNvSpPr/>
-              <p:nvPr/>
-            </p:nvSpPr>
-            <p:spPr>
-              <a:xfrm rot="5400000">
-                <a:off x="6649703" y="4801555"/>
-                <a:ext cx="133104" cy="123122"/>
-              </a:xfrm>
-              <a:prstGeom prst="triangle">
-                <a:avLst/>
-              </a:prstGeom>
-              <a:solidFill>
-                <a:srgbClr val="F4BA5B"/>
-              </a:solidFill>
-              <a:ln>
-                <a:noFill/>
-              </a:ln>
-            </p:spPr>
-            <p:style>
-              <a:lnRef idx="2">
-                <a:schemeClr val="accent1">
-                  <a:shade val="50000"/>
-                </a:schemeClr>
-              </a:lnRef>
-              <a:fillRef idx="1">
-                <a:schemeClr val="accent1"/>
-              </a:fillRef>
-              <a:effectRef idx="0">
-                <a:schemeClr val="accent1"/>
-              </a:effectRef>
-              <a:fontRef idx="minor">
-                <a:schemeClr val="lt1"/>
-              </a:fontRef>
-            </p:style>
-            <p:txBody>
-              <a:bodyPr rtlCol="0" anchor="ctr"/>
-              <a:lstStyle/>
-              <a:p>
-                <a:pPr algn="ctr"/>
-                <a:endParaRPr kumimoji="1" lang="ko-KR" altLang="en-US" sz="1463">
-                  <a:latin typeface="+mn-ea"/>
-                </a:endParaRPr>
-              </a:p>
-            </p:txBody>
-          </p:sp>
-          <p:sp>
-            <p:nvSpPr>
-              <p:cNvPr id="150" name="TextBox 149">
-                <a:extLst>
-                  <a:ext uri="{FF2B5EF4-FFF2-40B4-BE49-F238E27FC236}">
-                    <a16:creationId xmlns:a16="http://schemas.microsoft.com/office/drawing/2014/main" id="{2C68DE23-AD92-4A6A-9490-222E27A3994C}"/>
-                  </a:ext>
-                </a:extLst>
-              </p:cNvPr>
-              <p:cNvSpPr txBox="1"/>
-              <p:nvPr/>
-            </p:nvSpPr>
-            <p:spPr>
-              <a:xfrm>
-                <a:off x="6809664" y="4740005"/>
-                <a:ext cx="1354009" cy="253916"/>
-              </a:xfrm>
-              <a:prstGeom prst="rect">
-                <a:avLst/>
-              </a:prstGeom>
-              <a:noFill/>
-            </p:spPr>
-            <p:txBody>
-              <a:bodyPr wrap="square" rtlCol="0">
-                <a:spAutoFit/>
-              </a:bodyPr>
-              <a:lstStyle/>
-              <a:p>
-                <a:r>
-                  <a:rPr kumimoji="1" lang="en-US" altLang="ko-KR" sz="1050" b="1" dirty="0">
-                    <a:latin typeface="+mn-ea"/>
-                  </a:rPr>
-                  <a:t>CODE(</a:t>
-                </a:r>
-                <a:r>
-                  <a:rPr kumimoji="1" lang="en-US" altLang="ko-KR" sz="1050" b="1" dirty="0" err="1">
-                    <a:latin typeface="+mn-ea"/>
-                  </a:rPr>
-                  <a:t>Github</a:t>
-                </a:r>
-                <a:r>
-                  <a:rPr kumimoji="1" lang="en-US" altLang="ko-KR" sz="1050" b="1" dirty="0">
-                    <a:latin typeface="+mn-ea"/>
-                  </a:rPr>
-                  <a:t> URL)</a:t>
-                </a:r>
-                <a:endParaRPr kumimoji="1" lang="ko-KR" altLang="en-US" sz="1050" b="1" dirty="0">
                   <a:latin typeface="+mn-ea"/>
                 </a:endParaRPr>
               </a:p>
@@ -12657,18 +12576,58 @@
           </p:sp>
         </p:grpSp>
       </p:grpSp>
+      <p:sp>
+        <p:nvSpPr>
+          <p:cNvPr id="74" name="TextBox 73">
+            <a:extLst>
+              <a:ext uri="{FF2B5EF4-FFF2-40B4-BE49-F238E27FC236}">
+                <a16:creationId xmlns:a16="http://schemas.microsoft.com/office/drawing/2014/main" id="{2D945192-38BF-4D10-9B7B-47EF81C22699}"/>
+              </a:ext>
+            </a:extLst>
+          </p:cNvPr>
+          <p:cNvSpPr txBox="1"/>
+          <p:nvPr/>
+        </p:nvSpPr>
+        <p:spPr>
+          <a:xfrm>
+            <a:off x="729953" y="6283462"/>
+            <a:ext cx="184731" cy="253916"/>
+          </a:xfrm>
+          <a:prstGeom prst="rect">
+            <a:avLst/>
+          </a:prstGeom>
+          <a:noFill/>
+        </p:spPr>
+        <p:txBody>
+          <a:bodyPr wrap="none" rtlCol="0">
+            <a:spAutoFit/>
+          </a:bodyPr>
+          <a:lstStyle/>
+          <a:p>
+            <a:endParaRPr kumimoji="1" lang="ko-KR" altLang="en-US" sz="1050" dirty="0">
+              <a:solidFill>
+                <a:schemeClr val="tx1">
+                  <a:lumMod val="50000"/>
+                  <a:lumOff val="50000"/>
+                </a:schemeClr>
+              </a:solidFill>
+              <a:latin typeface="+mn-ea"/>
+            </a:endParaRPr>
+          </a:p>
+        </p:txBody>
+      </p:sp>
       <p:grpSp>
         <p:nvGrpSpPr>
-          <p:cNvPr id="9" name="그룹 8"/>
+          <p:cNvPr id="7" name="그룹 6"/>
           <p:cNvGrpSpPr/>
           <p:nvPr/>
         </p:nvGrpSpPr>
         <p:grpSpPr>
           <a:xfrm>
             <a:off x="4825883" y="1396818"/>
-            <a:ext cx="4809606" cy="4936438"/>
+            <a:ext cx="4809606" cy="5162823"/>
             <a:chOff x="4825883" y="1396818"/>
-            <a:chExt cx="4809606" cy="4936438"/>
+            <a:chExt cx="4809606" cy="5162823"/>
           </a:xfrm>
         </p:grpSpPr>
         <p:sp>
@@ -12993,133 +12952,6 @@
                       <a:lumOff val="50000"/>
                     </a:schemeClr>
                   </a:solidFill>
-                  <a:latin typeface="+mn-ea"/>
-                </a:endParaRPr>
-              </a:p>
-            </p:txBody>
-          </p:sp>
-        </p:grpSp>
-        <p:grpSp>
-          <p:nvGrpSpPr>
-            <p:cNvPr id="96" name="그룹 95">
-              <a:extLst>
-                <a:ext uri="{FF2B5EF4-FFF2-40B4-BE49-F238E27FC236}">
-                  <a16:creationId xmlns:a16="http://schemas.microsoft.com/office/drawing/2014/main" id="{17F3D77D-B63E-4FDA-B608-4F178AFBACC9}"/>
-                </a:ext>
-              </a:extLst>
-            </p:cNvPr>
-            <p:cNvGrpSpPr/>
-            <p:nvPr/>
-          </p:nvGrpSpPr>
-          <p:grpSpPr>
-            <a:xfrm>
-              <a:off x="5021511" y="6079340"/>
-              <a:ext cx="1508979" cy="253916"/>
-              <a:chOff x="6654694" y="4740005"/>
-              <a:chExt cx="1508979" cy="253916"/>
-            </a:xfrm>
-          </p:grpSpPr>
-          <p:sp>
-            <p:nvSpPr>
-              <p:cNvPr id="119" name="삼각형 45">
-                <a:extLst>
-                  <a:ext uri="{FF2B5EF4-FFF2-40B4-BE49-F238E27FC236}">
-                    <a16:creationId xmlns:a16="http://schemas.microsoft.com/office/drawing/2014/main" id="{079A80A8-5369-461E-B6E4-135C69EE1526}"/>
-                  </a:ext>
-                </a:extLst>
-              </p:cNvPr>
-              <p:cNvSpPr/>
-              <p:nvPr/>
-            </p:nvSpPr>
-            <p:spPr>
-              <a:xfrm rot="5400000">
-                <a:off x="6649703" y="4801555"/>
-                <a:ext cx="133104" cy="123122"/>
-              </a:xfrm>
-              <a:prstGeom prst="triangle">
-                <a:avLst/>
-              </a:prstGeom>
-              <a:solidFill>
-                <a:srgbClr val="F4BA5B"/>
-              </a:solidFill>
-              <a:ln>
-                <a:noFill/>
-              </a:ln>
-            </p:spPr>
-            <p:style>
-              <a:lnRef idx="2">
-                <a:schemeClr val="accent1">
-                  <a:shade val="50000"/>
-                </a:schemeClr>
-              </a:lnRef>
-              <a:fillRef idx="1">
-                <a:schemeClr val="accent1"/>
-              </a:fillRef>
-              <a:effectRef idx="0">
-                <a:schemeClr val="accent1"/>
-              </a:effectRef>
-              <a:fontRef idx="minor">
-                <a:schemeClr val="lt1"/>
-              </a:fontRef>
-            </p:style>
-            <p:txBody>
-              <a:bodyPr rtlCol="0" anchor="ctr"/>
-              <a:lstStyle/>
-              <a:p>
-                <a:pPr algn="ctr"/>
-                <a:endParaRPr kumimoji="1" lang="ko-KR" altLang="en-US" sz="1463">
-                  <a:latin typeface="+mn-ea"/>
-                </a:endParaRPr>
-              </a:p>
-            </p:txBody>
-          </p:sp>
-          <p:sp>
-            <p:nvSpPr>
-              <p:cNvPr id="120" name="TextBox 119">
-                <a:extLst>
-                  <a:ext uri="{FF2B5EF4-FFF2-40B4-BE49-F238E27FC236}">
-                    <a16:creationId xmlns:a16="http://schemas.microsoft.com/office/drawing/2014/main" id="{2C68DE23-AD92-4A6A-9490-222E27A3994C}"/>
-                  </a:ext>
-                </a:extLst>
-              </p:cNvPr>
-              <p:cNvSpPr txBox="1"/>
-              <p:nvPr/>
-            </p:nvSpPr>
-            <p:spPr>
-              <a:xfrm>
-                <a:off x="6809664" y="4740005"/>
-                <a:ext cx="1354009" cy="253916"/>
-              </a:xfrm>
-              <a:prstGeom prst="rect">
-                <a:avLst/>
-              </a:prstGeom>
-              <a:noFill/>
-            </p:spPr>
-            <p:txBody>
-              <a:bodyPr wrap="square" rtlCol="0">
-                <a:spAutoFit/>
-              </a:bodyPr>
-              <a:lstStyle/>
-              <a:p>
-                <a:r>
-                  <a:rPr kumimoji="1" lang="en-US" altLang="ko-KR" sz="1050" b="1" dirty="0">
-                    <a:latin typeface="+mn-ea"/>
-                  </a:rPr>
-                  <a:t>CODE(</a:t>
-                </a:r>
-                <a:r>
-                  <a:rPr kumimoji="1" lang="en-US" altLang="ko-KR" sz="1050" b="1" dirty="0" err="1">
-                    <a:latin typeface="+mn-ea"/>
-                  </a:rPr>
-                  <a:t>Github</a:t>
-                </a:r>
-                <a:r>
-                  <a:rPr kumimoji="1" lang="en-US" altLang="ko-KR" sz="1050" b="1" dirty="0">
-                    <a:latin typeface="+mn-ea"/>
-                  </a:rPr>
-                  <a:t> URL)</a:t>
-                </a:r>
-                <a:endParaRPr kumimoji="1" lang="ko-KR" altLang="en-US" sz="1050" b="1" dirty="0">
                   <a:latin typeface="+mn-ea"/>
                 </a:endParaRPr>
               </a:p>
@@ -14012,6 +13844,391 @@
             </p:txBody>
           </p:sp>
         </p:grpSp>
+        <p:grpSp>
+          <p:nvGrpSpPr>
+            <p:cNvPr id="6" name="그룹 5"/>
+            <p:cNvGrpSpPr/>
+            <p:nvPr/>
+          </p:nvGrpSpPr>
+          <p:grpSpPr>
+            <a:xfrm>
+              <a:off x="5021511" y="6079340"/>
+              <a:ext cx="2789024" cy="480301"/>
+              <a:chOff x="5021511" y="6079340"/>
+              <a:chExt cx="2789024" cy="480301"/>
+            </a:xfrm>
+          </p:grpSpPr>
+          <p:grpSp>
+            <p:nvGrpSpPr>
+              <p:cNvPr id="96" name="그룹 95">
+                <a:extLst>
+                  <a:ext uri="{FF2B5EF4-FFF2-40B4-BE49-F238E27FC236}">
+                    <a16:creationId xmlns:a16="http://schemas.microsoft.com/office/drawing/2014/main" id="{17F3D77D-B63E-4FDA-B608-4F178AFBACC9}"/>
+                  </a:ext>
+                </a:extLst>
+              </p:cNvPr>
+              <p:cNvGrpSpPr/>
+              <p:nvPr/>
+            </p:nvGrpSpPr>
+            <p:grpSpPr>
+              <a:xfrm>
+                <a:off x="5021511" y="6079340"/>
+                <a:ext cx="1508979" cy="253916"/>
+                <a:chOff x="6654694" y="4740005"/>
+                <a:chExt cx="1508979" cy="253916"/>
+              </a:xfrm>
+            </p:grpSpPr>
+            <p:sp>
+              <p:nvSpPr>
+                <p:cNvPr id="119" name="삼각형 45">
+                  <a:extLst>
+                    <a:ext uri="{FF2B5EF4-FFF2-40B4-BE49-F238E27FC236}">
+                      <a16:creationId xmlns:a16="http://schemas.microsoft.com/office/drawing/2014/main" id="{079A80A8-5369-461E-B6E4-135C69EE1526}"/>
+                    </a:ext>
+                  </a:extLst>
+                </p:cNvPr>
+                <p:cNvSpPr/>
+                <p:nvPr/>
+              </p:nvSpPr>
+              <p:spPr>
+                <a:xfrm rot="5400000">
+                  <a:off x="6649703" y="4801555"/>
+                  <a:ext cx="133104" cy="123122"/>
+                </a:xfrm>
+                <a:prstGeom prst="triangle">
+                  <a:avLst/>
+                </a:prstGeom>
+                <a:solidFill>
+                  <a:srgbClr val="F4BA5B"/>
+                </a:solidFill>
+                <a:ln>
+                  <a:noFill/>
+                </a:ln>
+              </p:spPr>
+              <p:style>
+                <a:lnRef idx="2">
+                  <a:schemeClr val="accent1">
+                    <a:shade val="50000"/>
+                  </a:schemeClr>
+                </a:lnRef>
+                <a:fillRef idx="1">
+                  <a:schemeClr val="accent1"/>
+                </a:fillRef>
+                <a:effectRef idx="0">
+                  <a:schemeClr val="accent1"/>
+                </a:effectRef>
+                <a:fontRef idx="minor">
+                  <a:schemeClr val="lt1"/>
+                </a:fontRef>
+              </p:style>
+              <p:txBody>
+                <a:bodyPr rtlCol="0" anchor="ctr"/>
+                <a:lstStyle/>
+                <a:p>
+                  <a:pPr algn="ctr"/>
+                  <a:endParaRPr kumimoji="1" lang="ko-KR" altLang="en-US" sz="1463">
+                    <a:latin typeface="+mn-ea"/>
+                  </a:endParaRPr>
+                </a:p>
+              </p:txBody>
+            </p:sp>
+            <p:sp>
+              <p:nvSpPr>
+                <p:cNvPr id="120" name="TextBox 119">
+                  <a:extLst>
+                    <a:ext uri="{FF2B5EF4-FFF2-40B4-BE49-F238E27FC236}">
+                      <a16:creationId xmlns:a16="http://schemas.microsoft.com/office/drawing/2014/main" id="{2C68DE23-AD92-4A6A-9490-222E27A3994C}"/>
+                    </a:ext>
+                  </a:extLst>
+                </p:cNvPr>
+                <p:cNvSpPr txBox="1"/>
+                <p:nvPr/>
+              </p:nvSpPr>
+              <p:spPr>
+                <a:xfrm>
+                  <a:off x="6809664" y="4740005"/>
+                  <a:ext cx="1354009" cy="253916"/>
+                </a:xfrm>
+                <a:prstGeom prst="rect">
+                  <a:avLst/>
+                </a:prstGeom>
+                <a:noFill/>
+              </p:spPr>
+              <p:txBody>
+                <a:bodyPr wrap="square" rtlCol="0">
+                  <a:spAutoFit/>
+                </a:bodyPr>
+                <a:lstStyle/>
+                <a:p>
+                  <a:r>
+                    <a:rPr kumimoji="1" lang="en-US" altLang="ko-KR" sz="1050" b="1" dirty="0">
+                      <a:latin typeface="+mn-ea"/>
+                    </a:rPr>
+                    <a:t>CODE(</a:t>
+                  </a:r>
+                  <a:r>
+                    <a:rPr kumimoji="1" lang="en-US" altLang="ko-KR" sz="1050" b="1" dirty="0" err="1">
+                      <a:latin typeface="+mn-ea"/>
+                    </a:rPr>
+                    <a:t>Github</a:t>
+                  </a:r>
+                  <a:r>
+                    <a:rPr kumimoji="1" lang="en-US" altLang="ko-KR" sz="1050" b="1" dirty="0">
+                      <a:latin typeface="+mn-ea"/>
+                    </a:rPr>
+                    <a:t> URL)</a:t>
+                  </a:r>
+                  <a:endParaRPr kumimoji="1" lang="ko-KR" altLang="en-US" sz="1050" b="1" dirty="0">
+                    <a:latin typeface="+mn-ea"/>
+                  </a:endParaRPr>
+                </a:p>
+              </p:txBody>
+            </p:sp>
+          </p:grpSp>
+          <p:sp>
+            <p:nvSpPr>
+              <p:cNvPr id="75" name="TextBox 74">
+                <a:hlinkClick r:id="rId4"/>
+                <a:extLst>
+                  <a:ext uri="{FF2B5EF4-FFF2-40B4-BE49-F238E27FC236}">
+                    <a16:creationId xmlns:a16="http://schemas.microsoft.com/office/drawing/2014/main" id="{2D945192-38BF-4D10-9B7B-47EF81C22699}"/>
+                  </a:ext>
+                </a:extLst>
+              </p:cNvPr>
+              <p:cNvSpPr txBox="1"/>
+              <p:nvPr/>
+            </p:nvSpPr>
+            <p:spPr>
+              <a:xfrm>
+                <a:off x="5176481" y="6256160"/>
+                <a:ext cx="2634054" cy="303481"/>
+              </a:xfrm>
+              <a:prstGeom prst="rect">
+                <a:avLst/>
+              </a:prstGeom>
+              <a:noFill/>
+            </p:spPr>
+            <p:txBody>
+              <a:bodyPr wrap="none" rtlCol="0">
+                <a:spAutoFit/>
+              </a:bodyPr>
+              <a:lstStyle/>
+              <a:p>
+                <a:pPr>
+                  <a:lnSpc>
+                    <a:spcPct val="150000"/>
+                  </a:lnSpc>
+                </a:pPr>
+                <a:r>
+                  <a:rPr lang="en-US" altLang="ko-KR" sz="1050">
+                    <a:latin typeface="+mn-ea"/>
+                    <a:hlinkClick r:id="rId4"/>
+                  </a:rPr>
+                  <a:t>https://</a:t>
+                </a:r>
+                <a:r>
+                  <a:rPr lang="en-US" altLang="ko-KR" sz="1050" smtClean="0">
+                    <a:latin typeface="+mn-ea"/>
+                    <a:hlinkClick r:id="rId4"/>
+                  </a:rPr>
+                  <a:t>github.com/renige18/start_menu</a:t>
+                </a:r>
+                <a:endParaRPr lang="en-US" altLang="ko-KR" sz="1050" dirty="0">
+                  <a:latin typeface="+mn-ea"/>
+                </a:endParaRPr>
+              </a:p>
+            </p:txBody>
+          </p:sp>
+        </p:grpSp>
+      </p:grpSp>
+      <p:grpSp>
+        <p:nvGrpSpPr>
+          <p:cNvPr id="79" name="그룹 78"/>
+          <p:cNvGrpSpPr/>
+          <p:nvPr/>
+        </p:nvGrpSpPr>
+        <p:grpSpPr>
+          <a:xfrm>
+            <a:off x="560997" y="6047869"/>
+            <a:ext cx="2789024" cy="480301"/>
+            <a:chOff x="5021511" y="6079340"/>
+            <a:chExt cx="2789024" cy="480301"/>
+          </a:xfrm>
+        </p:grpSpPr>
+        <p:grpSp>
+          <p:nvGrpSpPr>
+            <p:cNvPr id="80" name="그룹 79">
+              <a:extLst>
+                <a:ext uri="{FF2B5EF4-FFF2-40B4-BE49-F238E27FC236}">
+                  <a16:creationId xmlns:a16="http://schemas.microsoft.com/office/drawing/2014/main" id="{17F3D77D-B63E-4FDA-B608-4F178AFBACC9}"/>
+                </a:ext>
+              </a:extLst>
+            </p:cNvPr>
+            <p:cNvGrpSpPr/>
+            <p:nvPr/>
+          </p:nvGrpSpPr>
+          <p:grpSpPr>
+            <a:xfrm>
+              <a:off x="5021511" y="6079340"/>
+              <a:ext cx="1508979" cy="253916"/>
+              <a:chOff x="6654694" y="4740005"/>
+              <a:chExt cx="1508979" cy="253916"/>
+            </a:xfrm>
+          </p:grpSpPr>
+          <p:sp>
+            <p:nvSpPr>
+              <p:cNvPr id="82" name="삼각형 45">
+                <a:extLst>
+                  <a:ext uri="{FF2B5EF4-FFF2-40B4-BE49-F238E27FC236}">
+                    <a16:creationId xmlns:a16="http://schemas.microsoft.com/office/drawing/2014/main" id="{079A80A8-5369-461E-B6E4-135C69EE1526}"/>
+                  </a:ext>
+                </a:extLst>
+              </p:cNvPr>
+              <p:cNvSpPr/>
+              <p:nvPr/>
+            </p:nvSpPr>
+            <p:spPr>
+              <a:xfrm rot="5400000">
+                <a:off x="6649703" y="4801555"/>
+                <a:ext cx="133104" cy="123122"/>
+              </a:xfrm>
+              <a:prstGeom prst="triangle">
+                <a:avLst/>
+              </a:prstGeom>
+              <a:solidFill>
+                <a:srgbClr val="F4BA5B"/>
+              </a:solidFill>
+              <a:ln>
+                <a:noFill/>
+              </a:ln>
+            </p:spPr>
+            <p:style>
+              <a:lnRef idx="2">
+                <a:schemeClr val="accent1">
+                  <a:shade val="50000"/>
+                </a:schemeClr>
+              </a:lnRef>
+              <a:fillRef idx="1">
+                <a:schemeClr val="accent1"/>
+              </a:fillRef>
+              <a:effectRef idx="0">
+                <a:schemeClr val="accent1"/>
+              </a:effectRef>
+              <a:fontRef idx="minor">
+                <a:schemeClr val="lt1"/>
+              </a:fontRef>
+            </p:style>
+            <p:txBody>
+              <a:bodyPr rtlCol="0" anchor="ctr"/>
+              <a:lstStyle/>
+              <a:p>
+                <a:pPr algn="ctr"/>
+                <a:endParaRPr kumimoji="1" lang="ko-KR" altLang="en-US" sz="1463">
+                  <a:latin typeface="+mn-ea"/>
+                </a:endParaRPr>
+              </a:p>
+            </p:txBody>
+          </p:sp>
+          <p:sp>
+            <p:nvSpPr>
+              <p:cNvPr id="83" name="TextBox 82">
+                <a:extLst>
+                  <a:ext uri="{FF2B5EF4-FFF2-40B4-BE49-F238E27FC236}">
+                    <a16:creationId xmlns:a16="http://schemas.microsoft.com/office/drawing/2014/main" id="{2C68DE23-AD92-4A6A-9490-222E27A3994C}"/>
+                  </a:ext>
+                </a:extLst>
+              </p:cNvPr>
+              <p:cNvSpPr txBox="1"/>
+              <p:nvPr/>
+            </p:nvSpPr>
+            <p:spPr>
+              <a:xfrm>
+                <a:off x="6809664" y="4740005"/>
+                <a:ext cx="1354009" cy="253916"/>
+              </a:xfrm>
+              <a:prstGeom prst="rect">
+                <a:avLst/>
+              </a:prstGeom>
+              <a:noFill/>
+            </p:spPr>
+            <p:txBody>
+              <a:bodyPr wrap="square" rtlCol="0">
+                <a:spAutoFit/>
+              </a:bodyPr>
+              <a:lstStyle/>
+              <a:p>
+                <a:r>
+                  <a:rPr kumimoji="1" lang="en-US" altLang="ko-KR" sz="1050" b="1" dirty="0">
+                    <a:latin typeface="+mn-ea"/>
+                  </a:rPr>
+                  <a:t>CODE(</a:t>
+                </a:r>
+                <a:r>
+                  <a:rPr kumimoji="1" lang="en-US" altLang="ko-KR" sz="1050" b="1" dirty="0" err="1">
+                    <a:latin typeface="+mn-ea"/>
+                  </a:rPr>
+                  <a:t>Github</a:t>
+                </a:r>
+                <a:r>
+                  <a:rPr kumimoji="1" lang="en-US" altLang="ko-KR" sz="1050" b="1" dirty="0">
+                    <a:latin typeface="+mn-ea"/>
+                  </a:rPr>
+                  <a:t> URL)</a:t>
+                </a:r>
+                <a:endParaRPr kumimoji="1" lang="ko-KR" altLang="en-US" sz="1050" b="1" dirty="0">
+                  <a:latin typeface="+mn-ea"/>
+                </a:endParaRPr>
+              </a:p>
+            </p:txBody>
+          </p:sp>
+        </p:grpSp>
+        <p:sp>
+          <p:nvSpPr>
+            <p:cNvPr id="81" name="TextBox 80">
+              <a:hlinkClick r:id="rId4"/>
+              <a:extLst>
+                <a:ext uri="{FF2B5EF4-FFF2-40B4-BE49-F238E27FC236}">
+                  <a16:creationId xmlns:a16="http://schemas.microsoft.com/office/drawing/2014/main" id="{2D945192-38BF-4D10-9B7B-47EF81C22699}"/>
+                </a:ext>
+              </a:extLst>
+            </p:cNvPr>
+            <p:cNvSpPr txBox="1"/>
+            <p:nvPr/>
+          </p:nvSpPr>
+          <p:spPr>
+            <a:xfrm>
+              <a:off x="5176481" y="6256160"/>
+              <a:ext cx="2634054" cy="303481"/>
+            </a:xfrm>
+            <a:prstGeom prst="rect">
+              <a:avLst/>
+            </a:prstGeom>
+            <a:noFill/>
+          </p:spPr>
+          <p:txBody>
+            <a:bodyPr wrap="none" rtlCol="0">
+              <a:spAutoFit/>
+            </a:bodyPr>
+            <a:lstStyle/>
+            <a:p>
+              <a:pPr>
+                <a:lnSpc>
+                  <a:spcPct val="150000"/>
+                </a:lnSpc>
+              </a:pPr>
+              <a:r>
+                <a:rPr lang="en-US" altLang="ko-KR" sz="1050">
+                  <a:latin typeface="+mn-ea"/>
+                  <a:hlinkClick r:id="rId5"/>
+                </a:rPr>
+                <a:t>https://github.com/renige18/deveryApp</a:t>
+              </a:r>
+              <a:endParaRPr lang="en-US" altLang="ko-KR" sz="1050" dirty="0">
+                <a:latin typeface="+mn-ea"/>
+              </a:endParaRPr>
+            </a:p>
+          </p:txBody>
+        </p:sp>
       </p:grpSp>
     </p:spTree>
     <p:extLst>
@@ -14023,6 +14240,13 @@
   <p:clrMapOvr>
     <a:masterClrMapping/>
   </p:clrMapOvr>
+  <p:timing>
+    <p:tnLst>
+      <p:par>
+        <p:cTn id="1" dur="indefinite" restart="never" nodeType="tmRoot"/>
+      </p:par>
+    </p:tnLst>
+  </p:timing>
 </p:sld>
 </file>
 
@@ -17016,6 +17240,113 @@
           </p:sp>
         </p:grpSp>
       </p:grpSp>
+      <p:sp>
+        <p:nvSpPr>
+          <p:cNvPr id="74" name="TextBox 73">
+            <a:extLst>
+              <a:ext uri="{FF2B5EF4-FFF2-40B4-BE49-F238E27FC236}">
+                <a16:creationId xmlns:a16="http://schemas.microsoft.com/office/drawing/2014/main" id="{2D945192-38BF-4D10-9B7B-47EF81C22699}"/>
+              </a:ext>
+            </a:extLst>
+          </p:cNvPr>
+          <p:cNvSpPr txBox="1"/>
+          <p:nvPr/>
+        </p:nvSpPr>
+        <p:spPr>
+          <a:xfrm>
+            <a:off x="729953" y="6283462"/>
+            <a:ext cx="2634054" cy="253916"/>
+          </a:xfrm>
+          <a:prstGeom prst="rect">
+            <a:avLst/>
+          </a:prstGeom>
+          <a:noFill/>
+        </p:spPr>
+        <p:txBody>
+          <a:bodyPr wrap="none" rtlCol="0">
+            <a:spAutoFit/>
+          </a:bodyPr>
+          <a:lstStyle/>
+          <a:p>
+            <a:r>
+              <a:rPr kumimoji="1" lang="en-US" altLang="ko-KR" sz="1050">
+                <a:solidFill>
+                  <a:schemeClr val="tx1">
+                    <a:lumMod val="50000"/>
+                    <a:lumOff val="50000"/>
+                  </a:schemeClr>
+                </a:solidFill>
+                <a:latin typeface="+mn-ea"/>
+                <a:hlinkClick r:id="rId4"/>
+              </a:rPr>
+              <a:t>https://github.com/renige18/start_menu</a:t>
+            </a:r>
+            <a:endParaRPr kumimoji="1" lang="ko-KR" altLang="en-US" sz="1050" dirty="0">
+              <a:solidFill>
+                <a:schemeClr val="tx1">
+                  <a:lumMod val="50000"/>
+                  <a:lumOff val="50000"/>
+                </a:schemeClr>
+              </a:solidFill>
+              <a:latin typeface="+mn-ea"/>
+            </a:endParaRPr>
+          </a:p>
+        </p:txBody>
+      </p:sp>
+      <p:sp>
+        <p:nvSpPr>
+          <p:cNvPr id="75" name="TextBox 74">
+            <a:hlinkClick r:id="rId5"/>
+            <a:extLst>
+              <a:ext uri="{FF2B5EF4-FFF2-40B4-BE49-F238E27FC236}">
+                <a16:creationId xmlns:a16="http://schemas.microsoft.com/office/drawing/2014/main" id="{2D945192-38BF-4D10-9B7B-47EF81C22699}"/>
+              </a:ext>
+            </a:extLst>
+          </p:cNvPr>
+          <p:cNvSpPr txBox="1"/>
+          <p:nvPr/>
+        </p:nvSpPr>
+        <p:spPr>
+          <a:xfrm>
+            <a:off x="5527585" y="6322049"/>
+            <a:ext cx="2634054" cy="253916"/>
+          </a:xfrm>
+          <a:prstGeom prst="rect">
+            <a:avLst/>
+          </a:prstGeom>
+          <a:noFill/>
+        </p:spPr>
+        <p:txBody>
+          <a:bodyPr wrap="none" rtlCol="0">
+            <a:spAutoFit/>
+          </a:bodyPr>
+          <a:lstStyle/>
+          <a:p>
+            <a:r>
+              <a:rPr kumimoji="1" lang="en-US" altLang="ko-KR" sz="1050">
+                <a:solidFill>
+                  <a:schemeClr val="tx1">
+                    <a:lumMod val="50000"/>
+                    <a:lumOff val="50000"/>
+                  </a:schemeClr>
+                </a:solidFill>
+                <a:latin typeface="+mn-ea"/>
+                <a:hlinkClick r:id="rId5"/>
+              </a:rPr>
+              <a:t>https://github.com/renige18/deveryApp</a:t>
+            </a:r>
+            <a:endParaRPr kumimoji="1" lang="ko-KR" altLang="en-US" sz="1050" dirty="0">
+              <a:solidFill>
+                <a:schemeClr val="tx1">
+                  <a:lumMod val="50000"/>
+                  <a:lumOff val="50000"/>
+                </a:schemeClr>
+              </a:solidFill>
+              <a:latin typeface="+mn-ea"/>
+            </a:endParaRPr>
+          </a:p>
+        </p:txBody>
+      </p:sp>
     </p:spTree>
     <p:extLst>
       <p:ext uri="{BB962C8B-B14F-4D97-AF65-F5344CB8AC3E}">
@@ -17026,6 +17357,13 @@
   <p:clrMapOvr>
     <a:masterClrMapping/>
   </p:clrMapOvr>
+  <p:timing>
+    <p:tnLst>
+      <p:par>
+        <p:cTn id="1" dur="indefinite" restart="never" nodeType="tmRoot"/>
+      </p:par>
+    </p:tnLst>
+  </p:timing>
 </p:sld>
 </file>
 
@@ -18219,6 +18557,13 @@
   <p:clrMapOvr>
     <a:masterClrMapping/>
   </p:clrMapOvr>
+  <p:timing>
+    <p:tnLst>
+      <p:par>
+        <p:cTn id="1" dur="indefinite" restart="never" nodeType="tmRoot"/>
+      </p:par>
+    </p:tnLst>
+  </p:timing>
 </p:sld>
 </file>
 
@@ -18803,6 +19148,13 @@
   <p:clrMapOvr>
     <a:masterClrMapping/>
   </p:clrMapOvr>
+  <p:timing>
+    <p:tnLst>
+      <p:par>
+        <p:cTn id="1" dur="indefinite" restart="never" nodeType="tmRoot"/>
+      </p:par>
+    </p:tnLst>
+  </p:timing>
 </p:sld>
 </file>
 
@@ -19336,6 +19688,13 @@
   <p:clrMapOvr>
     <a:masterClrMapping/>
   </p:clrMapOvr>
+  <p:timing>
+    <p:tnLst>
+      <p:par>
+        <p:cTn id="1" dur="indefinite" restart="never" nodeType="tmRoot"/>
+      </p:par>
+    </p:tnLst>
+  </p:timing>
 </p:sld>
 </file>
 
